--- a/Mini-Project Approval.pptx
+++ b/Mini-Project Approval.pptx
@@ -1,26 +1,26 @@
 
 <file path=ppt/presentation.xml><?xml version="1.0" encoding="utf-8"?>
-<p:presentation xmlns:a="http://schemas.openxmlformats.org/drawingml/2006/main" xmlns:r="http://schemas.openxmlformats.org/officeDocument/2006/relationships" xmlns:p="http://schemas.openxmlformats.org/presentationml/2006/main" saveSubsetFonts="1">
+<p:presentation xmlns:a="http://schemas.openxmlformats.org/drawingml/2006/main" xmlns:r="http://schemas.openxmlformats.org/officeDocument/2006/relationships" xmlns:p="http://schemas.openxmlformats.org/presentationml/2006/main">
   <p:sldMasterIdLst>
     <p:sldMasterId id="2147483648" r:id="rId1"/>
   </p:sldMasterIdLst>
   <p:notesMasterIdLst>
-    <p:notesMasterId r:id="rId12"/>
+    <p:notesMasterId r:id="rId6"/>
   </p:notesMasterIdLst>
   <p:handoutMasterIdLst>
-    <p:handoutMasterId r:id="rId13"/>
+    <p:handoutMasterId r:id="rId14"/>
   </p:handoutMasterIdLst>
   <p:sldIdLst>
-    <p:sldId id="538" r:id="rId2"/>
-    <p:sldId id="548" r:id="rId3"/>
-    <p:sldId id="536" r:id="rId4"/>
-    <p:sldId id="535" r:id="rId5"/>
-    <p:sldId id="541" r:id="rId6"/>
-    <p:sldId id="551" r:id="rId7"/>
-    <p:sldId id="550" r:id="rId8"/>
-    <p:sldId id="546" r:id="rId9"/>
-    <p:sldId id="545" r:id="rId10"/>
-    <p:sldId id="549" r:id="rId11"/>
+    <p:sldId id="538" r:id="rId3"/>
+    <p:sldId id="548" r:id="rId4"/>
+    <p:sldId id="536" r:id="rId5"/>
+    <p:sldId id="557" r:id="rId7"/>
+    <p:sldId id="535" r:id="rId8"/>
+    <p:sldId id="541" r:id="rId9"/>
+    <p:sldId id="551" r:id="rId10"/>
+    <p:sldId id="550" r:id="rId11"/>
+    <p:sldId id="546" r:id="rId12"/>
+    <p:sldId id="549" r:id="rId13"/>
   </p:sldIdLst>
   <p:sldSz cx="9144000" cy="6858000" type="screen4x3"/>
   <p:notesSz cx="6797675" cy="9874250"/>
@@ -39,7 +39,7 @@
         <a:solidFill>
           <a:schemeClr val="tx1"/>
         </a:solidFill>
-        <a:latin typeface="Arial" charset="0"/>
+        <a:latin typeface="Arial" panose="02080604020202020204" pitchFamily="34" charset="0"/>
         <a:ea typeface="+mn-ea"/>
         <a:cs typeface="+mn-cs"/>
       </a:defRPr>
@@ -55,7 +55,7 @@
         <a:solidFill>
           <a:schemeClr val="tx1"/>
         </a:solidFill>
-        <a:latin typeface="Arial" charset="0"/>
+        <a:latin typeface="Arial" panose="02080604020202020204" pitchFamily="34" charset="0"/>
         <a:ea typeface="+mn-ea"/>
         <a:cs typeface="+mn-cs"/>
       </a:defRPr>
@@ -71,7 +71,7 @@
         <a:solidFill>
           <a:schemeClr val="tx1"/>
         </a:solidFill>
-        <a:latin typeface="Arial" charset="0"/>
+        <a:latin typeface="Arial" panose="02080604020202020204" pitchFamily="34" charset="0"/>
         <a:ea typeface="+mn-ea"/>
         <a:cs typeface="+mn-cs"/>
       </a:defRPr>
@@ -87,7 +87,7 @@
         <a:solidFill>
           <a:schemeClr val="tx1"/>
         </a:solidFill>
-        <a:latin typeface="Arial" charset="0"/>
+        <a:latin typeface="Arial" panose="02080604020202020204" pitchFamily="34" charset="0"/>
         <a:ea typeface="+mn-ea"/>
         <a:cs typeface="+mn-cs"/>
       </a:defRPr>
@@ -103,7 +103,7 @@
         <a:solidFill>
           <a:schemeClr val="tx1"/>
         </a:solidFill>
-        <a:latin typeface="Arial" charset="0"/>
+        <a:latin typeface="Arial" panose="02080604020202020204" pitchFamily="34" charset="0"/>
         <a:ea typeface="+mn-ea"/>
         <a:cs typeface="+mn-cs"/>
       </a:defRPr>
@@ -113,7 +113,7 @@
         <a:solidFill>
           <a:schemeClr val="tx1"/>
         </a:solidFill>
-        <a:latin typeface="Arial" charset="0"/>
+        <a:latin typeface="Arial" panose="02080604020202020204" pitchFamily="34" charset="0"/>
         <a:ea typeface="+mn-ea"/>
         <a:cs typeface="+mn-cs"/>
       </a:defRPr>
@@ -123,7 +123,7 @@
         <a:solidFill>
           <a:schemeClr val="tx1"/>
         </a:solidFill>
-        <a:latin typeface="Arial" charset="0"/>
+        <a:latin typeface="Arial" panose="02080604020202020204" pitchFamily="34" charset="0"/>
         <a:ea typeface="+mn-ea"/>
         <a:cs typeface="+mn-cs"/>
       </a:defRPr>
@@ -133,7 +133,7 @@
         <a:solidFill>
           <a:schemeClr val="tx1"/>
         </a:solidFill>
-        <a:latin typeface="Arial" charset="0"/>
+        <a:latin typeface="Arial" panose="02080604020202020204" pitchFamily="34" charset="0"/>
         <a:ea typeface="+mn-ea"/>
         <a:cs typeface="+mn-cs"/>
       </a:defRPr>
@@ -143,28 +143,12 @@
         <a:solidFill>
           <a:schemeClr val="tx1"/>
         </a:solidFill>
-        <a:latin typeface="Arial" charset="0"/>
+        <a:latin typeface="Arial" panose="02080604020202020204" pitchFamily="34" charset="0"/>
         <a:ea typeface="+mn-ea"/>
         <a:cs typeface="+mn-cs"/>
       </a:defRPr>
     </a:lvl9pPr>
   </p:defaultTextStyle>
-  <p:extLst>
-    <p:ext uri="{EFAFB233-063F-42B5-8137-9DF3F51BA10A}">
-      <p15:sldGuideLst xmlns:p15="http://schemas.microsoft.com/office/powerpoint/2012/main">
-        <p15:guide id="1" orient="horz" pos="2160">
-          <p15:clr>
-            <a:srgbClr val="A4A3A4"/>
-          </p15:clr>
-        </p15:guide>
-        <p15:guide id="2" pos="2880">
-          <p15:clr>
-            <a:srgbClr val="A4A3A4"/>
-          </p15:clr>
-        </p15:guide>
-      </p15:sldGuideLst>
-    </p:ext>
-  </p:extLst>
 </p:presentation>
 </file>
 
@@ -256,10 +240,6 @@
             </a:pPr>
             <a:fld id="{26A7C97D-3554-44E0-8E72-665D45387ACC}" type="datetimeFigureOut">
               <a:rPr lang="en-US"/>
-              <a:pPr>
-                <a:defRPr/>
-              </a:pPr>
-              <a:t>2/6/2019</a:t>
             </a:fld>
             <a:endParaRPr lang="en-US"/>
           </a:p>
@@ -331,10 +311,6 @@
             </a:pPr>
             <a:fld id="{1486DC43-659C-4A17-BDC0-5684401D4FAB}" type="slidenum">
               <a:rPr lang="en-US"/>
-              <a:pPr>
-                <a:defRPr/>
-              </a:pPr>
-              <a:t>‹#›</a:t>
             </a:fld>
             <a:endParaRPr lang="en-US"/>
           </a:p>
@@ -434,10 +410,6 @@
             </a:pPr>
             <a:fld id="{C973BE83-6A1D-4DA3-83D0-ED76C71EFE38}" type="datetimeFigureOut">
               <a:rPr lang="en-US"/>
-              <a:pPr>
-                <a:defRPr/>
-              </a:pPr>
-              <a:t>2/6/2019</a:t>
             </a:fld>
             <a:endParaRPr lang="en-US"/>
           </a:p>
@@ -507,6 +479,7 @@
               <a:rPr lang="en-US" noProof="0"/>
               <a:t>Click to edit Master text styles</a:t>
             </a:r>
+            <a:endParaRPr lang="en-US" noProof="0"/>
           </a:p>
           <a:p>
             <a:pPr lvl="1"/>
@@ -514,6 +487,7 @@
               <a:rPr lang="en-US" noProof="0"/>
               <a:t>Second level</a:t>
             </a:r>
+            <a:endParaRPr lang="en-US" noProof="0"/>
           </a:p>
           <a:p>
             <a:pPr lvl="2"/>
@@ -521,6 +495,7 @@
               <a:rPr lang="en-US" noProof="0"/>
               <a:t>Third level</a:t>
             </a:r>
+            <a:endParaRPr lang="en-US" noProof="0"/>
           </a:p>
           <a:p>
             <a:pPr lvl="3"/>
@@ -528,6 +503,7 @@
               <a:rPr lang="en-US" noProof="0"/>
               <a:t>Fourth level</a:t>
             </a:r>
+            <a:endParaRPr lang="en-US" noProof="0"/>
           </a:p>
           <a:p>
             <a:pPr lvl="4"/>
@@ -535,6 +511,7 @@
               <a:rPr lang="en-US" noProof="0"/>
               <a:t>Fifth level</a:t>
             </a:r>
+            <a:endParaRPr lang="en-US" noProof="0"/>
           </a:p>
         </p:txBody>
       </p:sp>
@@ -604,10 +581,6 @@
             </a:pPr>
             <a:fld id="{01C81575-24DE-4F6C-A73E-0331B3B2E418}" type="slidenum">
               <a:rPr lang="en-US"/>
-              <a:pPr>
-                <a:defRPr/>
-              </a:pPr>
-              <a:t>‹#›</a:t>
             </a:fld>
             <a:endParaRPr lang="en-US"/>
           </a:p>
@@ -811,10 +784,6 @@
             </a:pPr>
             <a:fld id="{01C81575-24DE-4F6C-A73E-0331B3B2E418}" type="slidenum">
               <a:rPr lang="en-US" smtClean="0"/>
-              <a:pPr>
-                <a:defRPr/>
-              </a:pPr>
-              <a:t>3</a:t>
             </a:fld>
             <a:endParaRPr lang="en-US"/>
           </a:p>
@@ -898,10 +867,6 @@
             </a:pPr>
             <a:fld id="{01C81575-24DE-4F6C-A73E-0331B3B2E418}" type="slidenum">
               <a:rPr lang="en-US" smtClean="0"/>
-              <a:pPr>
-                <a:defRPr/>
-              </a:pPr>
-              <a:t>4</a:t>
             </a:fld>
             <a:endParaRPr lang="en-US"/>
           </a:p>
@@ -985,10 +950,6 @@
             </a:pPr>
             <a:fld id="{01C81575-24DE-4F6C-A73E-0331B3B2E418}" type="slidenum">
               <a:rPr lang="en-US" smtClean="0"/>
-              <a:pPr>
-                <a:defRPr/>
-              </a:pPr>
-              <a:t>5</a:t>
             </a:fld>
             <a:endParaRPr lang="en-US"/>
           </a:p>
@@ -1072,21 +1033,12 @@
             </a:pPr>
             <a:fld id="{01C81575-24DE-4F6C-A73E-0331B3B2E418}" type="slidenum">
               <a:rPr lang="en-US" smtClean="0"/>
-              <a:pPr>
-                <a:defRPr/>
-              </a:pPr>
-              <a:t>6</a:t>
             </a:fld>
             <a:endParaRPr lang="en-US"/>
           </a:p>
         </p:txBody>
       </p:sp>
     </p:spTree>
-    <p:extLst>
-      <p:ext uri="{BB962C8B-B14F-4D97-AF65-F5344CB8AC3E}">
-        <p14:creationId xmlns:p14="http://schemas.microsoft.com/office/powerpoint/2010/main" val="501006682"/>
-      </p:ext>
-    </p:extLst>
   </p:cSld>
   <p:clrMapOvr>
     <a:masterClrMapping/>
@@ -1164,21 +1116,12 @@
             </a:pPr>
             <a:fld id="{01C81575-24DE-4F6C-A73E-0331B3B2E418}" type="slidenum">
               <a:rPr lang="en-US" smtClean="0"/>
-              <a:pPr>
-                <a:defRPr/>
-              </a:pPr>
-              <a:t>7</a:t>
             </a:fld>
             <a:endParaRPr lang="en-US"/>
           </a:p>
         </p:txBody>
       </p:sp>
     </p:spTree>
-    <p:extLst>
-      <p:ext uri="{BB962C8B-B14F-4D97-AF65-F5344CB8AC3E}">
-        <p14:creationId xmlns:p14="http://schemas.microsoft.com/office/powerpoint/2010/main" val="369832938"/>
-      </p:ext>
-    </p:extLst>
   </p:cSld>
   <p:clrMapOvr>
     <a:masterClrMapping/>
@@ -1256,10 +1199,6 @@
             </a:pPr>
             <a:fld id="{01C81575-24DE-4F6C-A73E-0331B3B2E418}" type="slidenum">
               <a:rPr lang="en-US" smtClean="0"/>
-              <a:pPr>
-                <a:defRPr/>
-              </a:pPr>
-              <a:t>8</a:t>
             </a:fld>
             <a:endParaRPr lang="en-US"/>
           </a:p>
@@ -1602,7 +1541,7 @@
           <p:nvPr userDrawn="1"/>
         </p:nvPicPr>
         <p:blipFill>
-          <a:blip r:embed="rId3" cstate="print"/>
+          <a:blip r:embed="rId2" cstate="print"/>
           <a:srcRect/>
           <a:stretch>
             <a:fillRect/>
@@ -1629,7 +1568,7 @@
   </p:cSld>
   <p:clrMap bg1="lt1" tx1="dk1" bg2="lt2" tx2="dk2" accent1="accent1" accent2="accent2" accent3="accent3" accent4="accent4" accent5="accent5" accent6="accent6" hlink="hlink" folHlink="folHlink"/>
   <p:sldLayoutIdLst>
-    <p:sldLayoutId id="2147483655" r:id="rId1"/>
+    <p:sldLayoutId id="2147483649" r:id="rId1"/>
   </p:sldLayoutIdLst>
   <p:txStyles>
     <p:titleStyle>
@@ -1660,7 +1599,7 @@
           <a:solidFill>
             <a:schemeClr val="tx2"/>
           </a:solidFill>
-          <a:latin typeface="Arial" charset="0"/>
+          <a:latin typeface="Arial" panose="02080604020202020204" pitchFamily="34" charset="0"/>
         </a:defRPr>
       </a:lvl2pPr>
       <a:lvl3pPr algn="ctr" rtl="0" eaLnBrk="0" fontAlgn="base" hangingPunct="0">
@@ -1674,7 +1613,7 @@
           <a:solidFill>
             <a:schemeClr val="tx2"/>
           </a:solidFill>
-          <a:latin typeface="Arial" charset="0"/>
+          <a:latin typeface="Arial" panose="02080604020202020204" pitchFamily="34" charset="0"/>
         </a:defRPr>
       </a:lvl3pPr>
       <a:lvl4pPr algn="ctr" rtl="0" eaLnBrk="0" fontAlgn="base" hangingPunct="0">
@@ -1688,7 +1627,7 @@
           <a:solidFill>
             <a:schemeClr val="tx2"/>
           </a:solidFill>
-          <a:latin typeface="Arial" charset="0"/>
+          <a:latin typeface="Arial" panose="02080604020202020204" pitchFamily="34" charset="0"/>
         </a:defRPr>
       </a:lvl4pPr>
       <a:lvl5pPr algn="ctr" rtl="0" eaLnBrk="0" fontAlgn="base" hangingPunct="0">
@@ -1702,7 +1641,7 @@
           <a:solidFill>
             <a:schemeClr val="tx2"/>
           </a:solidFill>
-          <a:latin typeface="Arial" charset="0"/>
+          <a:latin typeface="Arial" panose="02080604020202020204" pitchFamily="34" charset="0"/>
         </a:defRPr>
       </a:lvl5pPr>
       <a:lvl6pPr marL="457200" algn="ctr" rtl="0" fontAlgn="base">
@@ -1716,7 +1655,7 @@
           <a:solidFill>
             <a:schemeClr val="tx2"/>
           </a:solidFill>
-          <a:latin typeface="Arial" charset="0"/>
+          <a:latin typeface="Arial" panose="02080604020202020204" pitchFamily="34" charset="0"/>
         </a:defRPr>
       </a:lvl6pPr>
       <a:lvl7pPr marL="914400" algn="ctr" rtl="0" fontAlgn="base">
@@ -1730,7 +1669,7 @@
           <a:solidFill>
             <a:schemeClr val="tx2"/>
           </a:solidFill>
-          <a:latin typeface="Arial" charset="0"/>
+          <a:latin typeface="Arial" panose="02080604020202020204" pitchFamily="34" charset="0"/>
         </a:defRPr>
       </a:lvl7pPr>
       <a:lvl8pPr marL="1371600" algn="ctr" rtl="0" fontAlgn="base">
@@ -1744,7 +1683,7 @@
           <a:solidFill>
             <a:schemeClr val="tx2"/>
           </a:solidFill>
-          <a:latin typeface="Arial" charset="0"/>
+          <a:latin typeface="Arial" panose="02080604020202020204" pitchFamily="34" charset="0"/>
         </a:defRPr>
       </a:lvl8pPr>
       <a:lvl9pPr marL="1828800" algn="ctr" rtl="0" fontAlgn="base">
@@ -1758,7 +1697,7 @@
           <a:solidFill>
             <a:schemeClr val="tx2"/>
           </a:solidFill>
-          <a:latin typeface="Arial" charset="0"/>
+          <a:latin typeface="Arial" panose="02080604020202020204" pitchFamily="34" charset="0"/>
         </a:defRPr>
       </a:lvl9pPr>
     </p:titleStyle>
@@ -2025,8 +1964,8 @@
         </p:nvSpPr>
         <p:spPr>
           <a:xfrm>
-            <a:off x="1360919" y="2286000"/>
-            <a:ext cx="5116081" cy="707886"/>
+            <a:off x="1452880" y="2051050"/>
+            <a:ext cx="5559425" cy="706755"/>
           </a:xfrm>
           <a:prstGeom prst="rect">
             <a:avLst/>
@@ -2044,10 +1983,18 @@
                 <a:solidFill>
                   <a:srgbClr val="FF0000"/>
                 </a:solidFill>
-                <a:latin typeface="Trebuchet MS" pitchFamily="34" charset="0"/>
+                <a:latin typeface="+mj-lt"/>
+                <a:cs typeface="+mj-lt"/>
               </a:rPr>
               <a:t>Mini-Project Approval</a:t>
             </a:r>
+            <a:endParaRPr lang="en-US" sz="4000" dirty="0">
+              <a:solidFill>
+                <a:srgbClr val="FF0000"/>
+              </a:solidFill>
+              <a:latin typeface="+mj-lt"/>
+              <a:cs typeface="+mj-lt"/>
+            </a:endParaRPr>
           </a:p>
         </p:txBody>
       </p:sp>
@@ -2060,7 +2007,7 @@
         <p:spPr>
           <a:xfrm>
             <a:off x="381000" y="3276600"/>
-            <a:ext cx="8458200" cy="2554545"/>
+            <a:ext cx="8458200" cy="2553335"/>
           </a:xfrm>
           <a:prstGeom prst="rect">
             <a:avLst/>
@@ -2075,68 +2022,98 @@
           <a:p>
             <a:r>
               <a:rPr lang="en-US" sz="2000" dirty="0">
-                <a:latin typeface="Trebuchet MS" pitchFamily="34" charset="0"/>
+                <a:latin typeface="+mj-lt"/>
+                <a:cs typeface="+mj-lt"/>
               </a:rPr>
               <a:t>Project Title	:    DROWSINESS DETECTION SYSTEM                       </a:t>
             </a:r>
-          </a:p>
-          <a:p>
             <a:endParaRPr lang="en-US" sz="2000" dirty="0">
-              <a:latin typeface="Trebuchet MS" pitchFamily="34" charset="0"/>
+              <a:latin typeface="+mj-lt"/>
+              <a:cs typeface="+mj-lt"/>
+            </a:endParaRPr>
+          </a:p>
+          <a:p>
+            <a:endParaRPr lang="en-US" sz="2000" dirty="0">
+              <a:latin typeface="+mj-lt"/>
+              <a:cs typeface="+mj-lt"/>
             </a:endParaRPr>
           </a:p>
           <a:p>
             <a:r>
               <a:rPr lang="en-US" sz="2000" dirty="0">
-                <a:latin typeface="Trebuchet MS" pitchFamily="34" charset="0"/>
+                <a:latin typeface="+mj-lt"/>
+                <a:cs typeface="+mj-lt"/>
               </a:rPr>
-              <a:t>Project Guide	:        PROF RAMA DEVI                      </a:t>
-            </a:r>
-          </a:p>
-          <a:p>
+              <a:t>Project Guide	:    PROF RAMA DEVI                      </a:t>
+            </a:r>
             <a:endParaRPr lang="en-US" sz="2000" dirty="0">
-              <a:latin typeface="Trebuchet MS" pitchFamily="34" charset="0"/>
+              <a:latin typeface="+mj-lt"/>
+              <a:cs typeface="+mj-lt"/>
+            </a:endParaRPr>
+          </a:p>
+          <a:p>
+            <a:endParaRPr lang="en-US" sz="2000" dirty="0">
+              <a:latin typeface="+mj-lt"/>
+              <a:cs typeface="+mj-lt"/>
             </a:endParaRPr>
           </a:p>
           <a:p>
             <a:r>
               <a:rPr lang="en-US" sz="2000" dirty="0">
-                <a:latin typeface="Trebuchet MS" pitchFamily="34" charset="0"/>
+                <a:latin typeface="+mj-lt"/>
+                <a:cs typeface="+mj-lt"/>
               </a:rPr>
-              <a:t>Project Team 	:  ( </a:t>
+              <a:t>Project Team 	:     </a:t>
             </a:r>
             <a:r>
               <a:rPr lang="en-US" sz="2000" dirty="0" err="1">
-                <a:latin typeface="Trebuchet MS" pitchFamily="34" charset="0"/>
+                <a:latin typeface="+mj-lt"/>
+                <a:cs typeface="+mj-lt"/>
               </a:rPr>
               <a:t>Suryanarayan</a:t>
             </a:r>
             <a:r>
               <a:rPr lang="en-US" sz="2000" dirty="0">
-                <a:latin typeface="Trebuchet MS" pitchFamily="34" charset="0"/>
+                <a:latin typeface="+mj-lt"/>
+                <a:cs typeface="+mj-lt"/>
               </a:rPr>
-              <a:t> N, PES1201700094</a:t>
-            </a:r>
+              <a:t> N,    PES1201700094</a:t>
+            </a:r>
+            <a:endParaRPr lang="en-US" sz="2000" dirty="0">
+              <a:latin typeface="+mj-lt"/>
+              <a:cs typeface="+mj-lt"/>
+            </a:endParaRPr>
           </a:p>
           <a:p>
             <a:r>
               <a:rPr lang="en-US" sz="2000" dirty="0">
-                <a:latin typeface="Trebuchet MS" pitchFamily="34" charset="0"/>
+                <a:latin typeface="+mj-lt"/>
+                <a:cs typeface="+mj-lt"/>
               </a:rPr>
-              <a:t>		      Dheeraj D Gharde, PES1201700075)</a:t>
-            </a:r>
+              <a:t>		      Dheeraj D Gharde, PES1201700075</a:t>
+            </a:r>
+            <a:endParaRPr lang="en-US" sz="2000" dirty="0">
+              <a:latin typeface="+mj-lt"/>
+              <a:cs typeface="+mj-lt"/>
+            </a:endParaRPr>
           </a:p>
           <a:p>
             <a:r>
               <a:rPr lang="en-US" sz="2000" dirty="0">
-                <a:latin typeface="Trebuchet MS" pitchFamily="34" charset="0"/>
+                <a:latin typeface="+mj-lt"/>
+                <a:cs typeface="+mj-lt"/>
               </a:rPr>
               <a:t> </a:t>
             </a:r>
+            <a:endParaRPr lang="en-US" sz="2000" dirty="0">
+              <a:latin typeface="+mj-lt"/>
+              <a:cs typeface="+mj-lt"/>
+            </a:endParaRPr>
           </a:p>
           <a:p>
             <a:endParaRPr lang="en-IN" sz="2000" dirty="0">
-              <a:latin typeface="Trebuchet MS" pitchFamily="34" charset="0"/>
+              <a:latin typeface="+mj-lt"/>
+              <a:cs typeface="+mj-lt"/>
             </a:endParaRPr>
           </a:p>
         </p:txBody>
@@ -2174,15 +2151,15 @@
         </p:nvSpPr>
         <p:spPr>
           <a:xfrm>
-            <a:off x="2847484" y="3352800"/>
-            <a:ext cx="2506584" cy="707886"/>
+            <a:off x="2105660" y="3352800"/>
+            <a:ext cx="3980815" cy="706755"/>
           </a:xfrm>
           <a:prstGeom prst="rect">
             <a:avLst/>
           </a:prstGeom>
         </p:spPr>
         <p:txBody>
-          <a:bodyPr wrap="none">
+          <a:bodyPr wrap="square">
             <a:spAutoFit/>
           </a:bodyPr>
           <a:lstStyle/>
@@ -2193,10 +2170,18 @@
                 <a:solidFill>
                   <a:srgbClr val="FF0000"/>
                 </a:solidFill>
-                <a:latin typeface="Trebuchet MS" pitchFamily="34" charset="0"/>
+                <a:latin typeface="+mj-lt"/>
+                <a:cs typeface="+mj-lt"/>
               </a:rPr>
               <a:t>Thank You</a:t>
             </a:r>
+            <a:endParaRPr lang="en-US" sz="4000" dirty="0">
+              <a:solidFill>
+                <a:srgbClr val="FF0000"/>
+              </a:solidFill>
+              <a:latin typeface="+mj-lt"/>
+              <a:cs typeface="+mj-lt"/>
+            </a:endParaRPr>
           </a:p>
         </p:txBody>
       </p:sp>
@@ -2247,8 +2232,6 @@
           <a:ln w="9525">
             <a:noFill/>
             <a:miter lim="800000"/>
-            <a:headEnd/>
-            <a:tailEnd/>
           </a:ln>
         </p:spPr>
         <p:txBody>
@@ -2279,8 +2262,6 @@
           <a:ln w="9525">
             <a:noFill/>
             <a:miter lim="800000"/>
-            <a:headEnd/>
-            <a:tailEnd/>
           </a:ln>
         </p:spPr>
         <p:txBody>
@@ -2301,15 +2282,19 @@
               </a:rPr>
               <a:t>Problem Statement </a:t>
             </a:r>
+            <a:endParaRPr lang="en-US" sz="2400" dirty="0">
+              <a:solidFill>
+                <a:srgbClr val="FF0000"/>
+              </a:solidFill>
+              <a:latin typeface="Trebuchet MS" pitchFamily="34" charset="0"/>
+            </a:endParaRPr>
           </a:p>
         </p:txBody>
       </p:sp>
       <p:sp>
         <p:nvSpPr>
           <p:cNvPr id="4" name="Content Placeholder 2"/>
-          <p:cNvSpPr txBox="1">
-            <a:spLocks/>
-          </p:cNvSpPr>
+          <p:cNvSpPr txBox="1"/>
           <p:nvPr/>
         </p:nvSpPr>
         <p:spPr>
@@ -2329,6 +2314,7 @@
               <a:rPr lang="en-IN" sz="3600" b="1" dirty="0"/>
               <a:t>Drowsiness Detection</a:t>
             </a:r>
+            <a:endParaRPr lang="en-IN" sz="3600" b="1" dirty="0"/>
           </a:p>
           <a:p>
             <a:endParaRPr lang="en-IN" sz="3600" b="1" dirty="0"/>
@@ -2338,6 +2324,7 @@
               <a:rPr lang="en-US" dirty="0"/>
               <a:t>With a single inward facing camera, identify drowsiness based on </a:t>
             </a:r>
+            <a:endParaRPr lang="en-US" dirty="0"/>
           </a:p>
           <a:p>
             <a:r>
@@ -2354,6 +2341,7 @@
               <a:rPr lang="en-US" dirty="0"/>
               <a:t>The uphill task is to NOT use any other sensor apart from camera, and using the camera for monitoring the  driver for fatigue.</a:t>
             </a:r>
+            <a:endParaRPr lang="en-US" dirty="0"/>
           </a:p>
           <a:p>
             <a:endParaRPr lang="en-US" dirty="0"/>
@@ -2384,7 +2372,6 @@
               <a:buSzTx/>
               <a:buFontTx/>
               <a:buNone/>
-              <a:tabLst/>
               <a:defRPr/>
             </a:pPr>
             <a:endParaRPr kumimoji="0" lang="en-IN" sz="2000" b="0" i="0" u="none" strike="noStrike" kern="0" cap="none" spc="0" normalizeH="0" baseline="0" noProof="0" dirty="0">
@@ -2451,8 +2438,6 @@
           <a:ln w="9525">
             <a:noFill/>
             <a:miter lim="800000"/>
-            <a:headEnd/>
-            <a:tailEnd/>
           </a:ln>
         </p:spPr>
         <p:txBody>
@@ -2483,8 +2468,6 @@
           <a:ln w="9525">
             <a:noFill/>
             <a:miter lim="800000"/>
-            <a:headEnd/>
-            <a:tailEnd/>
           </a:ln>
         </p:spPr>
         <p:txBody>
@@ -2505,15 +2488,19 @@
               </a:rPr>
               <a:t>Literature Survey</a:t>
             </a:r>
+            <a:endParaRPr lang="en-US" sz="2400" dirty="0">
+              <a:solidFill>
+                <a:srgbClr val="FF0000"/>
+              </a:solidFill>
+              <a:latin typeface="Trebuchet MS" pitchFamily="34" charset="0"/>
+            </a:endParaRPr>
           </a:p>
         </p:txBody>
       </p:sp>
       <p:sp>
         <p:nvSpPr>
           <p:cNvPr id="6" name="Content Placeholder 2"/>
-          <p:cNvSpPr txBox="1">
-            <a:spLocks/>
-          </p:cNvSpPr>
+          <p:cNvSpPr txBox="1"/>
           <p:nvPr/>
         </p:nvSpPr>
         <p:spPr>
@@ -2529,7 +2516,7 @@
           <a:bodyPr/>
           <a:lstStyle/>
           <a:p>
-            <a:pPr marL="342900" marR="0" lvl="0" indent="12700" algn="just" defTabSz="914400" rtl="0" eaLnBrk="0" fontAlgn="base" latinLnBrk="0" hangingPunct="0">
+            <a:pPr marL="342900" marR="0" lvl="0" indent="0" algn="just" defTabSz="914400" rtl="0" eaLnBrk="0" fontAlgn="base" latinLnBrk="0" hangingPunct="0">
               <a:lnSpc>
                 <a:spcPct val="100000"/>
               </a:lnSpc>
@@ -2541,123 +2528,279 @@
               </a:spcAft>
               <a:buClrTx/>
               <a:buSzTx/>
-              <a:buFontTx/>
               <a:buNone/>
-              <a:tabLst/>
-              <a:defRPr/>
-            </a:pPr>
-            <a:r>
-              <a:rPr kumimoji="0" lang="en-IN" sz="2400" b="0" i="0" u="none" strike="noStrike" kern="1200" cap="none" spc="0" normalizeH="0" baseline="0" noProof="0" dirty="0">
+              <a:defRPr/>
+            </a:pPr>
+            <a:r>
+              <a:rPr kumimoji="0" lang="x-none" altLang="en-IN" sz="2000" b="0" i="0" u="none" strike="noStrike" kern="1200" cap="none" spc="0" normalizeH="0" baseline="0" noProof="0" dirty="0">
                 <a:ln>
                   <a:noFill/>
                 </a:ln>
                 <a:solidFill>
-                  <a:srgbClr val="0000FF"/>
+                  <a:schemeClr val="tx1"/>
                 </a:solidFill>
                 <a:effectLst/>
                 <a:uLnTx/>
                 <a:uFillTx/>
-                <a:latin typeface="Trebuchet MS" pitchFamily="34" charset="0"/>
+                <a:latin typeface="+mj-lt"/>
                 <a:ea typeface="+mn-ea"/>
-                <a:cs typeface="+mn-cs"/>
+                <a:cs typeface="+mj-lt"/>
               </a:rPr>
-              <a:t>List the papers/references</a:t>
-            </a:r>
-            <a:r>
-              <a:rPr kumimoji="0" lang="en-IN" sz="2400" b="0" i="0" u="none" strike="noStrike" kern="1200" cap="none" spc="0" normalizeH="0" noProof="0" dirty="0">
+              <a:t>P</a:t>
+            </a:r>
+            <a:r>
+              <a:rPr kumimoji="0" lang="en-IN" sz="2000" b="0" i="0" u="none" strike="noStrike" kern="1200" cap="none" spc="0" normalizeH="0" baseline="0" noProof="0" dirty="0">
                 <a:ln>
                   <a:noFill/>
                 </a:ln>
                 <a:solidFill>
-                  <a:srgbClr val="0000FF"/>
+                  <a:schemeClr val="tx1"/>
                 </a:solidFill>
                 <a:effectLst/>
                 <a:uLnTx/>
                 <a:uFillTx/>
-                <a:latin typeface="Trebuchet MS" pitchFamily="34" charset="0"/>
+                <a:latin typeface="+mj-lt"/>
                 <a:ea typeface="+mn-ea"/>
-                <a:cs typeface="+mn-cs"/>
+                <a:cs typeface="+mj-lt"/>
+              </a:rPr>
+              <a:t>apers/references</a:t>
+            </a:r>
+            <a:r>
+              <a:rPr kumimoji="0" lang="en-IN" sz="2000" b="0" i="0" u="none" strike="noStrike" kern="1200" cap="none" spc="0" normalizeH="0" noProof="0" dirty="0">
+                <a:ln>
+                  <a:noFill/>
+                </a:ln>
+                <a:solidFill>
+                  <a:schemeClr val="tx1"/>
+                </a:solidFill>
+                <a:effectLst/>
+                <a:uLnTx/>
+                <a:uFillTx/>
+                <a:latin typeface="+mj-lt"/>
+                <a:ea typeface="+mn-ea"/>
+                <a:cs typeface="+mj-lt"/>
               </a:rPr>
               <a:t> studied</a:t>
             </a:r>
-            <a:endParaRPr kumimoji="0" lang="en-IN" sz="2400" b="0" i="0" u="none" strike="noStrike" kern="1200" cap="none" spc="0" normalizeH="0" baseline="0" noProof="0" dirty="0">
+            <a:endParaRPr kumimoji="0" lang="en-IN" sz="2000" b="0" i="0" u="none" strike="noStrike" kern="1200" cap="none" spc="0" normalizeH="0" baseline="0" noProof="0" dirty="0">
               <a:ln>
                 <a:noFill/>
               </a:ln>
               <a:solidFill>
-                <a:srgbClr val="0000FF"/>
+                <a:schemeClr val="tx1"/>
               </a:solidFill>
               <a:effectLst/>
               <a:uLnTx/>
               <a:uFillTx/>
-              <a:latin typeface="Trebuchet MS" pitchFamily="34" charset="0"/>
+              <a:latin typeface="+mj-lt"/>
               <a:ea typeface="+mn-ea"/>
-              <a:cs typeface="+mn-cs"/>
-            </a:endParaRPr>
-          </a:p>
-          <a:p>
-            <a:pPr marL="1077913" lvl="1" indent="-265113" algn="just" eaLnBrk="0" hangingPunct="0">
+              <a:cs typeface="+mj-lt"/>
+            </a:endParaRPr>
+          </a:p>
+          <a:p>
+            <a:pPr marL="1155700" marR="0" lvl="1" indent="-342900" algn="just" rtl="0" eaLnBrk="0" latinLnBrk="0" hangingPunct="0">
+              <a:lnSpc>
+                <a:spcPct val="100000"/>
+              </a:lnSpc>
               <a:spcBef>
                 <a:spcPct val="20000"/>
               </a:spcBef>
-              <a:buFont typeface="Wingdings" pitchFamily="2" charset="2"/>
-              <a:buChar char="§"/>
-              <a:defRPr/>
-            </a:pPr>
-            <a:r>
-              <a:rPr lang="en-IN" sz="2400" noProof="0" dirty="0">
+              <a:spcAft>
+                <a:spcPct val="0"/>
+              </a:spcAft>
+              <a:buFont typeface="Arial" panose="02080604020202020204" pitchFamily="34" charset="0"/>
+              <a:buChar char="•"/>
+              <a:defRPr/>
+            </a:pPr>
+            <a:r>
+              <a:rPr lang="en-IN" sz="2000" noProof="0" dirty="0">
                 <a:solidFill>
-                  <a:srgbClr val="0000FF"/>
+                  <a:schemeClr val="tx1"/>
                 </a:solidFill>
-                <a:latin typeface="Trebuchet MS" pitchFamily="34" charset="0"/>
+                <a:latin typeface="+mj-lt"/>
+                <a:cs typeface="+mj-lt"/>
               </a:rPr>
-              <a:t>Explain the papers/references</a:t>
-            </a:r>
-          </a:p>
-          <a:p>
-            <a:pPr marL="1077913" lvl="1" indent="-265113" algn="just" eaLnBrk="0" hangingPunct="0">
+              <a:t>Yawning Detection Using Embedded Smart Cameras</a:t>
+            </a:r>
+            <a:endParaRPr lang="en-IN" sz="2000" noProof="0" dirty="0">
+              <a:solidFill>
+                <a:schemeClr val="tx1"/>
+              </a:solidFill>
+              <a:latin typeface="+mj-lt"/>
+              <a:cs typeface="+mj-lt"/>
+            </a:endParaRPr>
+          </a:p>
+          <a:p>
+            <a:pPr marL="1155700" marR="0" lvl="1" indent="-342900" algn="just" rtl="0" eaLnBrk="0" latinLnBrk="0" hangingPunct="0">
+              <a:lnSpc>
+                <a:spcPct val="100000"/>
+              </a:lnSpc>
               <a:spcBef>
                 <a:spcPct val="20000"/>
               </a:spcBef>
-              <a:buFont typeface="Wingdings" pitchFamily="2" charset="2"/>
-              <a:buChar char="§"/>
-              <a:defRPr/>
-            </a:pPr>
-            <a:r>
-              <a:rPr lang="en-US" sz="2400" dirty="0">
+              <a:spcAft>
+                <a:spcPct val="0"/>
+              </a:spcAft>
+              <a:buFont typeface="Arial" panose="02080604020202020204" pitchFamily="34" charset="0"/>
+              <a:buChar char="•"/>
+              <a:defRPr/>
+            </a:pPr>
+            <a:r>
+              <a:rPr lang="x-none" altLang="en-IN" sz="2000" noProof="0" dirty="0">
                 <a:solidFill>
-                  <a:srgbClr val="0000FF"/>
+                  <a:schemeClr val="tx1"/>
                 </a:solidFill>
-                <a:latin typeface="Trebuchet MS" pitchFamily="34" charset="0"/>
+                <a:latin typeface="+mj-lt"/>
+                <a:cs typeface="+mj-lt"/>
               </a:rPr>
-              <a:t>List their shortcomings which made you think of this new solution</a:t>
-            </a:r>
-          </a:p>
-          <a:p>
-            <a:pPr marL="1077913" lvl="1" indent="-265113" algn="just" eaLnBrk="0" hangingPunct="0">
+              <a:t>Fatigue Detection using Smartphones</a:t>
+            </a:r>
+            <a:endParaRPr lang="x-none" altLang="en-IN" sz="2000" noProof="0" dirty="0">
+              <a:solidFill>
+                <a:schemeClr val="tx1"/>
+              </a:solidFill>
+              <a:latin typeface="+mj-lt"/>
+              <a:cs typeface="+mj-lt"/>
+            </a:endParaRPr>
+          </a:p>
+          <a:p>
+            <a:pPr marL="1155700" marR="0" lvl="1" indent="-342900" algn="just" rtl="0" eaLnBrk="0" latinLnBrk="0" hangingPunct="0">
+              <a:lnSpc>
+                <a:spcPct val="100000"/>
+              </a:lnSpc>
               <a:spcBef>
                 <a:spcPct val="20000"/>
               </a:spcBef>
-              <a:buFont typeface="Wingdings" pitchFamily="2" charset="2"/>
-              <a:buChar char="§"/>
-              <a:defRPr/>
-            </a:pPr>
-            <a:r>
-              <a:rPr lang="en-US" sz="2400" dirty="0">
+              <a:spcAft>
+                <a:spcPct val="0"/>
+              </a:spcAft>
+              <a:buFont typeface="Arial" panose="02080604020202020204" pitchFamily="34" charset="0"/>
+              <a:buChar char="•"/>
+              <a:defRPr/>
+            </a:pPr>
+            <a:r>
+              <a:rPr lang="x-none" altLang="en-IN" sz="2000" noProof="0" dirty="0">
                 <a:solidFill>
-                  <a:srgbClr val="0000FF"/>
+                  <a:schemeClr val="tx1"/>
                 </a:solidFill>
-                <a:latin typeface="Trebuchet MS" pitchFamily="34" charset="0"/>
+                <a:latin typeface="+mj-lt"/>
+                <a:cs typeface="+mj-lt"/>
               </a:rPr>
-              <a:t>At the least 3-4 papers/references/competitors need to be studied and presented</a:t>
-            </a:r>
-          </a:p>
-          <a:p>
-            <a:pPr marL="1077913" lvl="1" indent="-265113" algn="just" eaLnBrk="0" hangingPunct="0">
+              <a:t>Real Time Eye Blinking Detection and Tracking using Opencv</a:t>
+            </a:r>
+            <a:endParaRPr lang="x-none" altLang="en-IN" sz="2000" noProof="0" dirty="0">
+              <a:solidFill>
+                <a:schemeClr val="tx1"/>
+              </a:solidFill>
+              <a:latin typeface="+mj-lt"/>
+              <a:cs typeface="+mj-lt"/>
+            </a:endParaRPr>
+          </a:p>
+          <a:p>
+            <a:pPr marL="1155700" marR="0" lvl="1" indent="-342900" algn="just" rtl="0" eaLnBrk="0" latinLnBrk="0" hangingPunct="0">
+              <a:lnSpc>
+                <a:spcPct val="100000"/>
+              </a:lnSpc>
               <a:spcBef>
                 <a:spcPct val="20000"/>
               </a:spcBef>
-              <a:buFont typeface="Wingdings" pitchFamily="2" charset="2"/>
+              <a:spcAft>
+                <a:spcPct val="0"/>
+              </a:spcAft>
+              <a:buFont typeface="Arial" panose="02080604020202020204" pitchFamily="34" charset="0"/>
+              <a:buChar char="•"/>
+              <a:defRPr/>
+            </a:pPr>
+            <a:r>
+              <a:rPr lang="en-IN" sz="2000" noProof="0" dirty="0">
+                <a:solidFill>
+                  <a:schemeClr val="tx1"/>
+                </a:solidFill>
+                <a:latin typeface="+mj-lt"/>
+                <a:cs typeface="+mj-lt"/>
+              </a:rPr>
+              <a:t>Driver drowsiness detection using Behavioral</a:t>
+            </a:r>
+            <a:endParaRPr lang="en-IN" sz="2000" noProof="0" dirty="0">
+              <a:solidFill>
+                <a:schemeClr val="tx1"/>
+              </a:solidFill>
+              <a:latin typeface="+mj-lt"/>
+              <a:cs typeface="+mj-lt"/>
+            </a:endParaRPr>
+          </a:p>
+          <a:p>
+            <a:pPr marL="1155700" marR="0" lvl="1" indent="-342900" algn="just" rtl="0" eaLnBrk="0" latinLnBrk="0" hangingPunct="0">
+              <a:lnSpc>
+                <a:spcPct val="100000"/>
+              </a:lnSpc>
+              <a:spcBef>
+                <a:spcPct val="20000"/>
+              </a:spcBef>
+              <a:spcAft>
+                <a:spcPct val="0"/>
+              </a:spcAft>
+              <a:buFont typeface="Arial" panose="02080604020202020204" pitchFamily="34" charset="0"/>
+              <a:buChar char="•"/>
+              <a:defRPr/>
+            </a:pPr>
+            <a:r>
+              <a:rPr lang="x-none" altLang="en-IN" sz="2000" noProof="0" dirty="0">
+                <a:solidFill>
+                  <a:schemeClr val="tx1"/>
+                </a:solidFill>
+                <a:latin typeface="+mj-lt"/>
+                <a:cs typeface="+mj-lt"/>
+              </a:rPr>
+              <a:t>M</a:t>
+            </a:r>
+            <a:r>
+              <a:rPr lang="en-IN" sz="2000" noProof="0" dirty="0">
+                <a:solidFill>
+                  <a:schemeClr val="tx1"/>
+                </a:solidFill>
+                <a:latin typeface="+mj-lt"/>
+                <a:cs typeface="+mj-lt"/>
+              </a:rPr>
+              <a:t>easures and machine learning techniques</a:t>
+            </a:r>
+            <a:endParaRPr lang="en-US" sz="2000" dirty="0">
+              <a:solidFill>
+                <a:schemeClr val="tx1"/>
+              </a:solidFill>
+              <a:latin typeface="+mj-lt"/>
+              <a:cs typeface="+mj-lt"/>
+            </a:endParaRPr>
+          </a:p>
+          <a:p>
+            <a:pPr marL="1155700" marR="0" lvl="1" indent="-342900" algn="just" rtl="0" eaLnBrk="0" latinLnBrk="0" hangingPunct="0">
+              <a:lnSpc>
+                <a:spcPct val="100000"/>
+              </a:lnSpc>
+              <a:spcBef>
+                <a:spcPct val="20000"/>
+              </a:spcBef>
+              <a:spcAft>
+                <a:spcPct val="0"/>
+              </a:spcAft>
+              <a:buFont typeface="Arial" panose="02080604020202020204" pitchFamily="34" charset="0"/>
+              <a:buChar char="•"/>
+              <a:defRPr/>
+            </a:pPr>
+            <a:endParaRPr lang="en-US" sz="2000" dirty="0">
+              <a:solidFill>
+                <a:schemeClr val="tx1"/>
+              </a:solidFill>
+              <a:latin typeface="+mj-lt"/>
+              <a:cs typeface="+mj-lt"/>
+            </a:endParaRPr>
+          </a:p>
+          <a:p>
+            <a:pPr marL="1155700" lvl="1" indent="-342900" algn="just" eaLnBrk="0" hangingPunct="0">
+              <a:spcBef>
+                <a:spcPct val="20000"/>
+              </a:spcBef>
+              <a:buFont typeface="Wingdings" panose="05000000000000000000" pitchFamily="2" charset="2"/>
               <a:buChar char="§"/>
               <a:defRPr/>
             </a:pPr>
@@ -2665,15 +2808,16 @@
               <a:solidFill>
                 <a:srgbClr val="0000FF"/>
               </a:solidFill>
-              <a:latin typeface="Trebuchet MS" pitchFamily="34" charset="0"/>
-            </a:endParaRPr>
-          </a:p>
-          <a:p>
-            <a:pPr marL="989013" lvl="1" indent="-176213" algn="just" eaLnBrk="0" hangingPunct="0">
+              <a:latin typeface="+mj-lt"/>
+              <a:cs typeface="+mj-lt"/>
+            </a:endParaRPr>
+          </a:p>
+          <a:p>
+            <a:pPr marL="989330" lvl="1" indent="-176530" algn="just" eaLnBrk="0" hangingPunct="0">
               <a:spcBef>
                 <a:spcPct val="20000"/>
               </a:spcBef>
-              <a:buFont typeface="Wingdings" pitchFamily="2" charset="2"/>
+              <a:buFont typeface="Wingdings" panose="05000000000000000000" pitchFamily="2" charset="2"/>
               <a:buChar char="§"/>
               <a:defRPr/>
             </a:pPr>
@@ -2699,7 +2843,6 @@
               <a:buSzTx/>
               <a:buFontTx/>
               <a:buNone/>
-              <a:tabLst/>
               <a:defRPr/>
             </a:pPr>
             <a:endParaRPr kumimoji="0" lang="en-IN" sz="2000" b="0" i="0" u="none" strike="noStrike" kern="0" cap="none" spc="0" normalizeH="0" baseline="0" noProof="0" dirty="0">
@@ -2736,278 +2879,136 @@
         <p:cNvGrpSpPr/>
         <p:nvPr/>
       </p:nvGrpSpPr>
-      <p:grpSpPr>
-        <a:xfrm>
-          <a:off x="0" y="0"/>
-          <a:ext cx="0" cy="0"/>
-          <a:chOff x="0" y="0"/>
-          <a:chExt cx="0" cy="0"/>
-        </a:xfrm>
-      </p:grpSpPr>
+      <p:grpSpPr/>
       <p:sp>
         <p:nvSpPr>
-          <p:cNvPr id="5" name="Rectangle 4"/>
-          <p:cNvSpPr>
-            <a:spLocks noChangeArrowheads="1"/>
-          </p:cNvSpPr>
-          <p:nvPr/>
-        </p:nvSpPr>
-        <p:spPr bwMode="auto">
-          <a:xfrm>
-            <a:off x="1524000" y="1581150"/>
-            <a:ext cx="7620000" cy="36513"/>
-          </a:xfrm>
-          <a:prstGeom prst="rect">
-            <a:avLst/>
-          </a:prstGeom>
-          <a:solidFill>
-            <a:srgbClr val="33CCCC"/>
-          </a:solidFill>
-          <a:ln w="9525">
-            <a:noFill/>
-            <a:miter lim="800000"/>
-            <a:headEnd/>
-            <a:tailEnd/>
-          </a:ln>
-        </p:spPr>
-        <p:txBody>
-          <a:bodyPr wrap="none" anchor="ctr"/>
-          <a:lstStyle/>
-          <a:p>
-            <a:endParaRPr lang="en-US"/>
-          </a:p>
-        </p:txBody>
-      </p:sp>
-      <p:sp>
-        <p:nvSpPr>
-          <p:cNvPr id="10" name="Content Placeholder 2"/>
-          <p:cNvSpPr txBox="1">
-            <a:spLocks/>
-          </p:cNvSpPr>
+          <p:cNvPr id="2" name="Text Box 1"/>
+          <p:cNvSpPr txBox="1"/>
           <p:nvPr/>
         </p:nvSpPr>
         <p:spPr>
           <a:xfrm>
-            <a:off x="76200" y="1828800"/>
-            <a:ext cx="8387918" cy="4724400"/>
-          </a:xfrm>
-          <a:prstGeom prst="rect">
-            <a:avLst/>
-          </a:prstGeom>
-        </p:spPr>
-        <p:txBody>
-          <a:bodyPr/>
-          <a:lstStyle/>
-          <a:p>
-            <a:pPr marL="342900" marR="0" lvl="0" algn="just" defTabSz="914400" rtl="0" eaLnBrk="0" fontAlgn="base" latinLnBrk="0" hangingPunct="0">
-              <a:lnSpc>
-                <a:spcPct val="100000"/>
-              </a:lnSpc>
-              <a:spcBef>
-                <a:spcPct val="20000"/>
-              </a:spcBef>
-              <a:spcAft>
-                <a:spcPct val="0"/>
-              </a:spcAft>
-              <a:buClrTx/>
-              <a:buSzTx/>
-              <a:tabLst/>
-              <a:defRPr/>
-            </a:pPr>
-            <a:r>
-              <a:rPr lang="en-IN" sz="1600" dirty="0">
-                <a:solidFill>
-                  <a:srgbClr val="0000FF"/>
-                </a:solidFill>
-                <a:latin typeface="Trebuchet MS" pitchFamily="34" charset="0"/>
-              </a:rPr>
-              <a:t>	At first we would like to locate the eyes of the driver and make sure to fix on 	eye aspects so that blink detection is made easier</a:t>
-            </a:r>
-          </a:p>
-          <a:p>
-            <a:pPr marL="1077913" lvl="1" indent="-265113" algn="just" eaLnBrk="0" hangingPunct="0">
-              <a:spcBef>
-                <a:spcPct val="20000"/>
-              </a:spcBef>
-              <a:buFont typeface="Wingdings" pitchFamily="2" charset="2"/>
-              <a:buChar char="§"/>
-              <a:defRPr/>
-            </a:pPr>
-            <a:r>
-              <a:rPr lang="en-IN" sz="1600" dirty="0">
-                <a:solidFill>
-                  <a:srgbClr val="0000FF"/>
-                </a:solidFill>
-                <a:latin typeface="Trebuchet MS" pitchFamily="34" charset="0"/>
-              </a:rPr>
-              <a:t>Track them for the first 20 mins to collect it in a dataset as eyes vary per person and chances of someone feeling drowsy is extremely rare during this period </a:t>
-            </a:r>
-          </a:p>
-          <a:p>
-            <a:pPr marL="1077913" lvl="1" indent="-265113" algn="just" eaLnBrk="0" hangingPunct="0">
-              <a:spcBef>
-                <a:spcPct val="20000"/>
-              </a:spcBef>
-              <a:buFont typeface="Wingdings" pitchFamily="2" charset="2"/>
-              <a:buChar char="§"/>
-              <a:defRPr/>
-            </a:pPr>
-            <a:r>
-              <a:rPr lang="en-IN" sz="1600" dirty="0">
-                <a:solidFill>
-                  <a:srgbClr val="0000FF"/>
-                </a:solidFill>
-                <a:latin typeface="Trebuchet MS" pitchFamily="34" charset="0"/>
-              </a:rPr>
-              <a:t>Later we can start testing the live footage with our collected dataset and using machine algorithms and optimising them, we can improve accuracy of the detection</a:t>
-            </a:r>
-          </a:p>
-          <a:p>
-            <a:pPr marL="1077913" lvl="1" indent="-265113" algn="just" eaLnBrk="0" hangingPunct="0">
-              <a:spcBef>
-                <a:spcPct val="20000"/>
-              </a:spcBef>
-              <a:buFont typeface="Wingdings" pitchFamily="2" charset="2"/>
-              <a:buChar char="§"/>
-              <a:defRPr/>
-            </a:pPr>
-            <a:r>
-              <a:rPr lang="en-IN" sz="1600" dirty="0">
-                <a:solidFill>
-                  <a:srgbClr val="0000FF"/>
-                </a:solidFill>
-                <a:latin typeface="Trebuchet MS" pitchFamily="34" charset="0"/>
-              </a:rPr>
-              <a:t>If permitted to use an infrared sensor and an Arduino, it’ll help us in giving a clear image during </a:t>
-            </a:r>
-            <a:r>
-              <a:rPr lang="en-IN" sz="1600" dirty="0" err="1">
-                <a:solidFill>
-                  <a:srgbClr val="0000FF"/>
-                </a:solidFill>
-                <a:latin typeface="Trebuchet MS" pitchFamily="34" charset="0"/>
-              </a:rPr>
-              <a:t>nightime</a:t>
-            </a:r>
-            <a:r>
-              <a:rPr lang="en-IN" sz="1600" dirty="0">
-                <a:solidFill>
-                  <a:srgbClr val="0000FF"/>
-                </a:solidFill>
-                <a:latin typeface="Trebuchet MS" pitchFamily="34" charset="0"/>
-              </a:rPr>
-              <a:t> and drivers do tend to be more drowsy at that time</a:t>
-            </a:r>
-          </a:p>
-          <a:p>
-            <a:pPr marL="1077913" lvl="1" indent="-265113" algn="just" eaLnBrk="0" hangingPunct="0">
-              <a:spcBef>
-                <a:spcPct val="20000"/>
-              </a:spcBef>
-              <a:buFont typeface="Wingdings" pitchFamily="2" charset="2"/>
-              <a:buChar char="§"/>
-              <a:defRPr/>
-            </a:pPr>
-            <a:endParaRPr lang="en-IN" sz="2400" dirty="0">
-              <a:solidFill>
-                <a:srgbClr val="0000FF"/>
-              </a:solidFill>
-              <a:latin typeface="Trebuchet MS" pitchFamily="34" charset="0"/>
-            </a:endParaRPr>
-          </a:p>
-          <a:p>
-            <a:pPr marL="989013" lvl="1" indent="-176213" algn="just" eaLnBrk="0" hangingPunct="0">
-              <a:spcBef>
-                <a:spcPct val="20000"/>
-              </a:spcBef>
-              <a:buFont typeface="Wingdings" pitchFamily="2" charset="2"/>
-              <a:buChar char="§"/>
-              <a:defRPr/>
-            </a:pPr>
-            <a:endParaRPr lang="en-IN" sz="2400" dirty="0">
-              <a:solidFill>
-                <a:srgbClr val="0000FF"/>
-              </a:solidFill>
-              <a:latin typeface="Trebuchet MS" pitchFamily="34" charset="0"/>
-            </a:endParaRPr>
-          </a:p>
-          <a:p>
-            <a:pPr marL="342900" marR="0" lvl="0" indent="-342900" algn="l" defTabSz="914400" rtl="0" eaLnBrk="0" fontAlgn="base" latinLnBrk="0" hangingPunct="0">
-              <a:lnSpc>
-                <a:spcPct val="100000"/>
-              </a:lnSpc>
-              <a:spcBef>
-                <a:spcPct val="20000"/>
-              </a:spcBef>
-              <a:spcAft>
-                <a:spcPct val="0"/>
-              </a:spcAft>
-              <a:buClrTx/>
-              <a:buSzTx/>
-              <a:buFontTx/>
-              <a:buNone/>
-              <a:tabLst/>
-              <a:defRPr/>
-            </a:pPr>
-            <a:endParaRPr kumimoji="0" lang="en-IN" sz="2000" b="0" i="0" u="none" strike="noStrike" kern="0" cap="none" spc="0" normalizeH="0" baseline="0" noProof="0" dirty="0">
-              <a:ln>
-                <a:noFill/>
-              </a:ln>
-              <a:solidFill>
-                <a:schemeClr val="tx1"/>
-              </a:solidFill>
-              <a:effectLst/>
-              <a:uLnTx/>
-              <a:uFillTx/>
-              <a:latin typeface="Trebuchet MS" pitchFamily="34" charset="0"/>
-              <a:ea typeface="+mn-ea"/>
-              <a:cs typeface="+mn-cs"/>
-            </a:endParaRPr>
-          </a:p>
-        </p:txBody>
-      </p:sp>
-      <p:sp>
-        <p:nvSpPr>
-          <p:cNvPr id="14" name="Text Box 34"/>
-          <p:cNvSpPr txBox="1">
-            <a:spLocks noChangeArrowheads="1"/>
-          </p:cNvSpPr>
-          <p:nvPr/>
-        </p:nvSpPr>
-        <p:spPr bwMode="auto">
-          <a:xfrm>
-            <a:off x="2667000" y="1143000"/>
-            <a:ext cx="6477000" cy="461665"/>
+            <a:off x="193040" y="1721485"/>
+            <a:ext cx="8392795" cy="3415030"/>
           </a:xfrm>
           <a:prstGeom prst="rect">
             <a:avLst/>
           </a:prstGeom>
           <a:noFill/>
-          <a:ln w="9525">
-            <a:noFill/>
-            <a:miter lim="800000"/>
-            <a:headEnd/>
-            <a:tailEnd/>
-          </a:ln>
         </p:spPr>
         <p:txBody>
-          <a:bodyPr wrap="square">
+          <a:bodyPr wrap="none" rtlCol="0" anchor="t">
             <a:spAutoFit/>
           </a:bodyPr>
-          <a:lstStyle/>
-          <a:p>
-            <a:pPr marL="342900" indent="-342900" algn="r" eaLnBrk="0" hangingPunct="0">
-              <a:defRPr/>
-            </a:pPr>
-            <a:r>
-              <a:rPr lang="en-US" sz="2400" dirty="0">
+          <a:p>
+            <a:r>
+              <a:rPr lang="en-US" dirty="0">
                 <a:solidFill>
-                  <a:srgbClr val="FF0000"/>
+                  <a:srgbClr val="0000FF"/>
                 </a:solidFill>
-                <a:latin typeface="Trebuchet MS" pitchFamily="34" charset="0"/>
+                <a:latin typeface="+mj-lt"/>
+                <a:cs typeface="+mj-lt"/>
+                <a:sym typeface="+mn-ea"/>
               </a:rPr>
-              <a:t>Proposed Solution</a:t>
-            </a:r>
+              <a:t>List their shortcomings which made you think of this new solution</a:t>
+            </a:r>
+            <a:endParaRPr lang="en-US" dirty="0">
+              <a:solidFill>
+                <a:srgbClr val="0000FF"/>
+              </a:solidFill>
+              <a:latin typeface="+mj-lt"/>
+              <a:cs typeface="+mj-lt"/>
+              <a:sym typeface="+mn-ea"/>
+            </a:endParaRPr>
+          </a:p>
+          <a:p>
+            <a:endParaRPr lang="en-US"/>
+          </a:p>
+          <a:p>
+            <a:pPr marL="285750" indent="-285750">
+              <a:buFont typeface="Arial" panose="02080604020202020204" pitchFamily="34" charset="0"/>
+              <a:buChar char="•"/>
+            </a:pPr>
+            <a:r>
+              <a:rPr lang="x-none" altLang="en-US"/>
+              <a:t>If we go through all the papers you'll see that The Implementation </a:t>
+            </a:r>
+            <a:br>
+              <a:rPr lang="x-none" altLang="en-US"/>
+            </a:br>
+            <a:r>
+              <a:rPr lang="x-none" altLang="en-US"/>
+              <a:t>is very different from each other.</a:t>
+            </a:r>
+            <a:endParaRPr lang="x-none" altLang="en-US"/>
+          </a:p>
+          <a:p>
+            <a:pPr marL="285750" indent="-285750">
+              <a:buFont typeface="Arial" panose="02080604020202020204" pitchFamily="34" charset="0"/>
+              <a:buChar char="•"/>
+            </a:pPr>
+            <a:r>
+              <a:rPr lang="x-none" altLang="en-US"/>
+              <a:t>The machine learning papers have used immense image processing </a:t>
+            </a:r>
+            <a:br>
+              <a:rPr lang="x-none" altLang="en-US"/>
+            </a:br>
+            <a:r>
+              <a:rPr lang="x-none" altLang="en-US"/>
+              <a:t>which affects performance of the processor</a:t>
+            </a:r>
+            <a:endParaRPr lang="x-none" altLang="en-US"/>
+          </a:p>
+          <a:p>
+            <a:pPr marL="285750" indent="-285750">
+              <a:buFont typeface="Arial" panose="02080604020202020204" pitchFamily="34" charset="0"/>
+              <a:buChar char="•"/>
+            </a:pPr>
+            <a:r>
+              <a:rPr lang="x-none" altLang="en-US"/>
+              <a:t>The papers which used EAR technique failed to implement any</a:t>
+            </a:r>
+            <a:br>
+              <a:rPr lang="x-none" altLang="en-US"/>
+            </a:br>
+            <a:r>
+              <a:rPr lang="x-none" altLang="en-US"/>
+              <a:t>machine learning in them</a:t>
+            </a:r>
+            <a:endParaRPr lang="x-none" altLang="en-US"/>
+          </a:p>
+          <a:p>
+            <a:pPr marL="285750" indent="-285750">
+              <a:buFont typeface="Arial" panose="02080604020202020204" pitchFamily="34" charset="0"/>
+              <a:buChar char="•"/>
+            </a:pPr>
+            <a:endParaRPr lang="x-none" altLang="en-US"/>
+          </a:p>
+          <a:p>
+            <a:pPr marL="285750" indent="-285750">
+              <a:buFont typeface="Arial" panose="02080604020202020204" pitchFamily="34" charset="0"/>
+              <a:buChar char="•"/>
+            </a:pPr>
+            <a:r>
+              <a:rPr lang="x-none" altLang="en-US"/>
+              <a:t>So by implementin EAR and collecting dataset from the camera with </a:t>
+            </a:r>
+            <a:br>
+              <a:rPr lang="x-none" altLang="en-US"/>
+            </a:br>
+            <a:r>
+              <a:rPr lang="x-none" altLang="en-US"/>
+              <a:t>this method, we can save performance for the ML algorithms to work</a:t>
+            </a:r>
+            <a:br>
+              <a:rPr lang="x-none" altLang="en-US"/>
+            </a:br>
+            <a:r>
+              <a:rPr lang="x-none" altLang="en-US"/>
+              <a:t>faster and overall increase accuracy as this is detection in real time</a:t>
+            </a:r>
+            <a:endParaRPr lang="x-none" altLang="en-US"/>
           </a:p>
         </p:txBody>
       </p:sp>
@@ -3058,8 +3059,6 @@
           <a:ln w="9525">
             <a:noFill/>
             <a:miter lim="800000"/>
-            <a:headEnd/>
-            <a:tailEnd/>
           </a:ln>
         </p:spPr>
         <p:txBody>
@@ -3072,61 +3071,14 @@
       </p:sp>
       <p:sp>
         <p:nvSpPr>
-          <p:cNvPr id="13" name="Text Box 34"/>
-          <p:cNvSpPr txBox="1">
-            <a:spLocks noChangeArrowheads="1"/>
-          </p:cNvSpPr>
-          <p:nvPr/>
-        </p:nvSpPr>
-        <p:spPr bwMode="auto">
-          <a:xfrm>
-            <a:off x="1371600" y="1143000"/>
-            <a:ext cx="7772400" cy="461665"/>
-          </a:xfrm>
-          <a:prstGeom prst="rect">
-            <a:avLst/>
-          </a:prstGeom>
-          <a:noFill/>
-          <a:ln w="9525">
-            <a:noFill/>
-            <a:miter lim="800000"/>
-            <a:headEnd/>
-            <a:tailEnd/>
-          </a:ln>
-        </p:spPr>
-        <p:txBody>
-          <a:bodyPr wrap="square">
-            <a:spAutoFit/>
-          </a:bodyPr>
-          <a:lstStyle/>
-          <a:p>
-            <a:pPr marL="342900" indent="-342900" algn="r" eaLnBrk="0" hangingPunct="0">
-              <a:defRPr/>
-            </a:pPr>
-            <a:r>
-              <a:rPr lang="en-US" sz="2400" dirty="0">
-                <a:solidFill>
-                  <a:srgbClr val="FF0000"/>
-                </a:solidFill>
-                <a:latin typeface="Trebuchet MS" pitchFamily="34" charset="0"/>
-              </a:rPr>
-              <a:t>Technologies / Methodologies </a:t>
-            </a:r>
-          </a:p>
-        </p:txBody>
-      </p:sp>
-      <p:sp>
-        <p:nvSpPr>
-          <p:cNvPr id="6" name="Content Placeholder 2"/>
-          <p:cNvSpPr txBox="1">
-            <a:spLocks/>
-          </p:cNvSpPr>
+          <p:cNvPr id="10" name="Content Placeholder 2"/>
+          <p:cNvSpPr txBox="1"/>
           <p:nvPr/>
         </p:nvSpPr>
         <p:spPr>
           <a:xfrm>
-            <a:off x="533400" y="1828800"/>
-            <a:ext cx="8458200" cy="4724400"/>
+            <a:off x="76200" y="1828800"/>
+            <a:ext cx="8387918" cy="4724400"/>
           </a:xfrm>
           <a:prstGeom prst="rect">
             <a:avLst/>
@@ -3136,7 +3088,7 @@
           <a:bodyPr/>
           <a:lstStyle/>
           <a:p>
-            <a:pPr marL="342900" marR="0" lvl="0" indent="12700" algn="just" defTabSz="914400" rtl="0" eaLnBrk="0" fontAlgn="base" latinLnBrk="0" hangingPunct="0">
+            <a:pPr marL="1085850" marR="0" lvl="1" indent="-285750" algn="just" defTabSz="914400" rtl="0" eaLnBrk="0" fontAlgn="base" latinLnBrk="0" hangingPunct="0">
               <a:lnSpc>
                 <a:spcPct val="100000"/>
               </a:lnSpc>
@@ -3148,92 +3100,198 @@
               </a:spcAft>
               <a:buClrTx/>
               <a:buSzTx/>
-              <a:buFontTx/>
-              <a:buNone/>
-              <a:tabLst/>
-              <a:defRPr/>
-            </a:pPr>
-            <a:r>
-              <a:rPr kumimoji="0" lang="en-IN" sz="2400" b="0" i="0" u="none" strike="noStrike" kern="1200" cap="none" spc="0" normalizeH="0" baseline="0" noProof="0" dirty="0">
-                <a:ln>
-                  <a:noFill/>
-                </a:ln>
+              <a:buFont typeface="Arial" panose="02080604020202020204" pitchFamily="34" charset="0"/>
+              <a:buChar char="•"/>
+              <a:defRPr/>
+            </a:pPr>
+            <a:r>
+              <a:rPr lang="en-IN" sz="1800" dirty="0">
                 <a:solidFill>
-                  <a:srgbClr val="0000FF"/>
+                  <a:schemeClr val="tx1"/>
                 </a:solidFill>
-                <a:effectLst/>
-                <a:uLnTx/>
-                <a:uFillTx/>
-                <a:latin typeface="Trebuchet MS" pitchFamily="34" charset="0"/>
-                <a:ea typeface="+mn-ea"/>
-                <a:cs typeface="+mn-cs"/>
+                <a:latin typeface="+mj-lt"/>
+                <a:cs typeface="+mj-lt"/>
               </a:rPr>
-              <a:t>List</a:t>
-            </a:r>
-          </a:p>
-          <a:p>
-            <a:pPr marL="1077913" lvl="1" indent="-265113" algn="just" eaLnBrk="0" hangingPunct="0">
+              <a:t>At first we would like to locate the eyes of the driver and make </a:t>
+            </a:r>
+            <a:r>
+              <a:rPr lang="x-none" altLang="en-IN" sz="1800" dirty="0">
+                <a:solidFill>
+                  <a:schemeClr val="tx1"/>
+                </a:solidFill>
+                <a:latin typeface="+mj-lt"/>
+                <a:cs typeface="+mj-lt"/>
+              </a:rPr>
+              <a:t>	</a:t>
+            </a:r>
+            <a:r>
+              <a:rPr lang="en-IN" sz="1800" dirty="0">
+                <a:solidFill>
+                  <a:schemeClr val="tx1"/>
+                </a:solidFill>
+                <a:latin typeface="+mj-lt"/>
+                <a:cs typeface="+mj-lt"/>
+              </a:rPr>
+              <a:t>sure to fix on eye aspects so that blink detection is made </a:t>
+            </a:r>
+            <a:r>
+              <a:rPr lang="x-none" altLang="en-IN" sz="1800" dirty="0">
+                <a:solidFill>
+                  <a:schemeClr val="tx1"/>
+                </a:solidFill>
+                <a:latin typeface="+mj-lt"/>
+                <a:cs typeface="+mj-lt"/>
+              </a:rPr>
+              <a:t>	</a:t>
+            </a:r>
+            <a:r>
+              <a:rPr lang="en-IN" sz="1800" dirty="0">
+                <a:solidFill>
+                  <a:schemeClr val="tx1"/>
+                </a:solidFill>
+                <a:latin typeface="+mj-lt"/>
+                <a:cs typeface="+mj-lt"/>
+              </a:rPr>
+              <a:t>easier</a:t>
+            </a:r>
+            <a:endParaRPr lang="en-IN" sz="1800" dirty="0">
+              <a:solidFill>
+                <a:schemeClr val="tx1"/>
+              </a:solidFill>
+              <a:latin typeface="+mj-lt"/>
+              <a:cs typeface="+mj-lt"/>
+            </a:endParaRPr>
+          </a:p>
+          <a:p>
+            <a:pPr marL="1098550" lvl="1" indent="-285750" algn="just" eaLnBrk="0" hangingPunct="0">
               <a:spcBef>
                 <a:spcPct val="20000"/>
               </a:spcBef>
-              <a:buFont typeface="Wingdings" pitchFamily="2" charset="2"/>
-              <a:buChar char="§"/>
-              <a:defRPr/>
-            </a:pPr>
-            <a:r>
-              <a:rPr lang="en-IN" sz="2400" dirty="0">
+              <a:buFont typeface="Arial" panose="02080604020202020204" pitchFamily="34" charset="0"/>
+              <a:buChar char="•"/>
+              <a:defRPr/>
+            </a:pPr>
+            <a:r>
+              <a:rPr lang="en-IN" sz="1800" dirty="0">
                 <a:solidFill>
-                  <a:srgbClr val="0000FF"/>
+                  <a:schemeClr val="tx1"/>
                 </a:solidFill>
-                <a:latin typeface="Trebuchet MS" pitchFamily="34" charset="0"/>
+                <a:latin typeface="+mj-lt"/>
+                <a:cs typeface="+mj-lt"/>
               </a:rPr>
-              <a:t>TensorFlow and OpenCV library file in python will be suited and sufficient for this project as both the machine learning and computer vision aspect can be solved using their functions</a:t>
-            </a:r>
-          </a:p>
-          <a:p>
-            <a:pPr marL="1077913" lvl="1" indent="-265113" algn="just" eaLnBrk="0" hangingPunct="0">
+              <a:t>Track them for the first 20 mins to collect it in a dataset as eyes vary per person and chances of someone feeling drowsy is extremely rare during this period </a:t>
+            </a:r>
+            <a:endParaRPr lang="en-IN" sz="1800" dirty="0">
+              <a:solidFill>
+                <a:schemeClr val="tx1"/>
+              </a:solidFill>
+              <a:latin typeface="+mj-lt"/>
+              <a:cs typeface="+mj-lt"/>
+            </a:endParaRPr>
+          </a:p>
+          <a:p>
+            <a:pPr marL="1098550" lvl="1" indent="-285750" algn="just" eaLnBrk="0" hangingPunct="0">
               <a:spcBef>
                 <a:spcPct val="20000"/>
               </a:spcBef>
-              <a:buFont typeface="Wingdings" pitchFamily="2" charset="2"/>
-              <a:buChar char="§"/>
-              <a:defRPr/>
-            </a:pPr>
-            <a:r>
-              <a:rPr lang="en-IN" sz="2400" dirty="0">
+              <a:buFont typeface="Arial" panose="02080604020202020204" pitchFamily="34" charset="0"/>
+              <a:buChar char="•"/>
+              <a:defRPr/>
+            </a:pPr>
+            <a:r>
+              <a:rPr lang="en-IN" sz="1800" dirty="0">
                 <a:solidFill>
-                  <a:srgbClr val="0000FF"/>
+                  <a:schemeClr val="tx1"/>
                 </a:solidFill>
-                <a:latin typeface="Trebuchet MS" pitchFamily="34" charset="0"/>
+                <a:latin typeface="+mj-lt"/>
+                <a:cs typeface="+mj-lt"/>
               </a:rPr>
-              <a:t>dlib </a:t>
-            </a:r>
-            <a:r>
-              <a:rPr lang="en-IN" sz="2400">
-                <a:solidFill>
-                  <a:srgbClr val="0000FF"/>
-                </a:solidFill>
-                <a:latin typeface="Trebuchet MS" pitchFamily="34" charset="0"/>
-              </a:rPr>
-              <a:t>python library</a:t>
-            </a:r>
-            <a:endParaRPr lang="en-IN" sz="2400" dirty="0">
+              <a:t>Later we can start testing the live footage with our collected dataset and using machine algorithms and optimising them, we can improve accuracy of the detection</a:t>
+            </a:r>
+            <a:endParaRPr lang="en-IN" sz="1800" dirty="0">
               <a:solidFill>
-                <a:srgbClr val="0000FF"/>
+                <a:schemeClr val="tx1"/>
               </a:solidFill>
-              <a:latin typeface="Trebuchet MS" pitchFamily="34" charset="0"/>
-            </a:endParaRPr>
-          </a:p>
-          <a:p>
-            <a:pPr marL="1077913" lvl="1" indent="-265113" algn="just" eaLnBrk="0" hangingPunct="0">
+              <a:latin typeface="+mj-lt"/>
+              <a:cs typeface="+mj-lt"/>
+            </a:endParaRPr>
+          </a:p>
+          <a:p>
+            <a:pPr marL="1098550" lvl="1" indent="-285750" algn="just" eaLnBrk="0" hangingPunct="0">
               <a:spcBef>
                 <a:spcPct val="20000"/>
               </a:spcBef>
+              <a:buFont typeface="Arial" panose="02080604020202020204" pitchFamily="34" charset="0"/>
+              <a:buChar char="•"/>
+              <a:defRPr/>
+            </a:pPr>
+            <a:r>
+              <a:rPr lang="en-IN" sz="1800" dirty="0">
+                <a:solidFill>
+                  <a:schemeClr val="tx1"/>
+                </a:solidFill>
+                <a:latin typeface="+mj-lt"/>
+                <a:cs typeface="+mj-lt"/>
+              </a:rPr>
+              <a:t>If permitted to use an infrared sensor and an Arduino, it’ll help us in giving a clear image during </a:t>
+            </a:r>
+            <a:r>
+              <a:rPr lang="en-IN" sz="1800" dirty="0" err="1">
+                <a:solidFill>
+                  <a:schemeClr val="tx1"/>
+                </a:solidFill>
+                <a:latin typeface="+mj-lt"/>
+                <a:cs typeface="+mj-lt"/>
+              </a:rPr>
+              <a:t>nightime</a:t>
+            </a:r>
+            <a:r>
+              <a:rPr lang="en-IN" sz="1800" dirty="0">
+                <a:solidFill>
+                  <a:schemeClr val="tx1"/>
+                </a:solidFill>
+                <a:latin typeface="+mj-lt"/>
+                <a:cs typeface="+mj-lt"/>
+              </a:rPr>
+              <a:t> and drivers do tend to be more drowsy at that time</a:t>
+            </a:r>
+            <a:endParaRPr lang="en-IN" sz="1800" dirty="0">
+              <a:solidFill>
+                <a:schemeClr val="tx1"/>
+              </a:solidFill>
+              <a:latin typeface="+mj-lt"/>
+              <a:cs typeface="+mj-lt"/>
+            </a:endParaRPr>
+          </a:p>
+          <a:p>
+            <a:pPr marL="1270000" lvl="1" indent="-457200" algn="just" eaLnBrk="0" hangingPunct="0">
+              <a:spcBef>
+                <a:spcPct val="20000"/>
+              </a:spcBef>
+              <a:buFont typeface="Arial" panose="02080604020202020204" pitchFamily="34" charset="0"/>
+              <a:buChar char="•"/>
+              <a:defRPr/>
+            </a:pPr>
+            <a:endParaRPr lang="en-IN" sz="2800" dirty="0">
+              <a:solidFill>
+                <a:schemeClr val="tx1"/>
+              </a:solidFill>
+              <a:latin typeface="+mj-lt"/>
+              <a:cs typeface="+mj-lt"/>
+            </a:endParaRPr>
+          </a:p>
+          <a:p>
+            <a:pPr marL="1155700" lvl="1" indent="-342900" algn="just" eaLnBrk="0" hangingPunct="0">
+              <a:spcBef>
+                <a:spcPct val="20000"/>
+              </a:spcBef>
+              <a:buFont typeface="Wingdings" panose="05000000000000000000" pitchFamily="2" charset="2"/>
+              <a:buChar char="§"/>
               <a:defRPr/>
             </a:pPr>
             <a:endParaRPr lang="en-IN" sz="2400" dirty="0">
               <a:solidFill>
-                <a:srgbClr val="0000FF"/>
+                <a:schemeClr val="tx1"/>
               </a:solidFill>
               <a:latin typeface="Trebuchet MS" pitchFamily="34" charset="0"/>
             </a:endParaRPr>
@@ -3253,10 +3311,9 @@
               <a:buSzTx/>
               <a:buFontTx/>
               <a:buNone/>
-              <a:tabLst/>
-              <a:defRPr/>
-            </a:pPr>
-            <a:endParaRPr kumimoji="0" lang="en-IN" sz="2000" b="0" i="0" u="none" strike="noStrike" kern="0" cap="none" spc="0" normalizeH="0" baseline="0" noProof="0" dirty="0">
+              <a:defRPr/>
+            </a:pPr>
+            <a:endParaRPr kumimoji="0" lang="en-IN" sz="2400" b="0" i="0" u="none" strike="noStrike" kern="0" cap="none" spc="0" normalizeH="0" baseline="0" noProof="0" dirty="0">
               <a:ln>
                 <a:noFill/>
               </a:ln>
@@ -3269,6 +3326,55 @@
               <a:latin typeface="Trebuchet MS" pitchFamily="34" charset="0"/>
               <a:ea typeface="+mn-ea"/>
               <a:cs typeface="+mn-cs"/>
+            </a:endParaRPr>
+          </a:p>
+        </p:txBody>
+      </p:sp>
+      <p:sp>
+        <p:nvSpPr>
+          <p:cNvPr id="14" name="Text Box 34"/>
+          <p:cNvSpPr txBox="1">
+            <a:spLocks noChangeArrowheads="1"/>
+          </p:cNvSpPr>
+          <p:nvPr/>
+        </p:nvSpPr>
+        <p:spPr bwMode="auto">
+          <a:xfrm>
+            <a:off x="2667000" y="1143000"/>
+            <a:ext cx="6477000" cy="461665"/>
+          </a:xfrm>
+          <a:prstGeom prst="rect">
+            <a:avLst/>
+          </a:prstGeom>
+          <a:noFill/>
+          <a:ln w="9525">
+            <a:noFill/>
+            <a:miter lim="800000"/>
+          </a:ln>
+        </p:spPr>
+        <p:txBody>
+          <a:bodyPr wrap="square">
+            <a:spAutoFit/>
+          </a:bodyPr>
+          <a:lstStyle/>
+          <a:p>
+            <a:pPr marL="342900" indent="-342900" algn="r" eaLnBrk="0" hangingPunct="0">
+              <a:defRPr/>
+            </a:pPr>
+            <a:r>
+              <a:rPr lang="en-US" sz="2400" dirty="0">
+                <a:solidFill>
+                  <a:srgbClr val="FF0000"/>
+                </a:solidFill>
+                <a:latin typeface="Trebuchet MS" pitchFamily="34" charset="0"/>
+              </a:rPr>
+              <a:t>Proposed Solution</a:t>
+            </a:r>
+            <a:endParaRPr lang="en-US" sz="2400" dirty="0">
+              <a:solidFill>
+                <a:srgbClr val="FF0000"/>
+              </a:solidFill>
+              <a:latin typeface="Trebuchet MS" pitchFamily="34" charset="0"/>
             </a:endParaRPr>
           </a:p>
         </p:txBody>
@@ -3320,8 +3426,6 @@
           <a:ln w="9525">
             <a:noFill/>
             <a:miter lim="800000"/>
-            <a:headEnd/>
-            <a:tailEnd/>
           </a:ln>
         </p:spPr>
         <p:txBody>
@@ -3352,8 +3456,6 @@
           <a:ln w="9525">
             <a:noFill/>
             <a:miter lim="800000"/>
-            <a:headEnd/>
-            <a:tailEnd/>
           </a:ln>
         </p:spPr>
         <p:txBody>
@@ -3374,21 +3476,25 @@
               </a:rPr>
               <a:t>Technologies / Methodologies </a:t>
             </a:r>
+            <a:endParaRPr lang="en-US" sz="2400" dirty="0">
+              <a:solidFill>
+                <a:srgbClr val="FF0000"/>
+              </a:solidFill>
+              <a:latin typeface="Trebuchet MS" pitchFamily="34" charset="0"/>
+            </a:endParaRPr>
           </a:p>
         </p:txBody>
       </p:sp>
       <p:sp>
         <p:nvSpPr>
           <p:cNvPr id="6" name="Content Placeholder 2"/>
-          <p:cNvSpPr txBox="1">
-            <a:spLocks/>
-          </p:cNvSpPr>
+          <p:cNvSpPr txBox="1"/>
           <p:nvPr/>
         </p:nvSpPr>
         <p:spPr>
           <a:xfrm>
-            <a:off x="304800" y="1828800"/>
-            <a:ext cx="8229600" cy="4724400"/>
+            <a:off x="533400" y="1828800"/>
+            <a:ext cx="7896860" cy="4724400"/>
           </a:xfrm>
           <a:prstGeom prst="rect">
             <a:avLst/>
@@ -3398,116 +3504,216 @@
           <a:bodyPr/>
           <a:lstStyle/>
           <a:p>
-            <a:pPr marL="1077913" lvl="1" indent="-265113" eaLnBrk="0" hangingPunct="0">
+            <a:pPr marL="342900" marR="0" lvl="0" indent="12700" algn="just" defTabSz="914400" rtl="0" eaLnBrk="0" fontAlgn="base" latinLnBrk="0" hangingPunct="0">
+              <a:lnSpc>
+                <a:spcPct val="100000"/>
+              </a:lnSpc>
               <a:spcBef>
                 <a:spcPct val="20000"/>
               </a:spcBef>
-              <a:defRPr/>
-            </a:pPr>
-            <a:r>
-              <a:rPr lang="en-US" sz="2000" dirty="0">
-                <a:solidFill>
-                  <a:srgbClr val="0000FF"/>
-                </a:solidFill>
-                <a:latin typeface="Trebuchet MS" pitchFamily="34" charset="0"/>
-              </a:rPr>
-              <a:t>EAR(Eye Aspect Ratio)</a:t>
-            </a:r>
-          </a:p>
-          <a:p>
-            <a:pPr marL="1077913" lvl="1" indent="-265113" eaLnBrk="0" hangingPunct="0">
+              <a:spcAft>
+                <a:spcPct val="0"/>
+              </a:spcAft>
+              <a:buClrTx/>
+              <a:buSzTx/>
+              <a:buFontTx/>
+              <a:buNone/>
+              <a:defRPr/>
+            </a:pPr>
+            <a:endParaRPr lang="en-IN" sz="2000">
+              <a:solidFill>
+                <a:schemeClr val="tx1"/>
+              </a:solidFill>
+              <a:latin typeface="+mj-lt"/>
+              <a:cs typeface="+mj-lt"/>
+            </a:endParaRPr>
+          </a:p>
+          <a:p>
+            <a:pPr marL="1155700" lvl="1" indent="-342900" algn="just" eaLnBrk="0" hangingPunct="0">
               <a:spcBef>
                 <a:spcPct val="20000"/>
               </a:spcBef>
-              <a:defRPr/>
-            </a:pPr>
-            <a:r>
-              <a:rPr lang="en-US" sz="2000" dirty="0">
+              <a:buFont typeface="Arial" panose="02080604020202020204" pitchFamily="34" charset="0"/>
+              <a:buChar char="•"/>
+              <a:defRPr/>
+            </a:pPr>
+            <a:r>
+              <a:rPr lang="x-none" altLang="en-IN" sz="2000">
                 <a:solidFill>
-                  <a:srgbClr val="0000FF"/>
+                  <a:schemeClr val="tx1"/>
                 </a:solidFill>
-                <a:latin typeface="Trebuchet MS" pitchFamily="34" charset="0"/>
+                <a:latin typeface="+mj-lt"/>
+                <a:cs typeface="+mj-lt"/>
               </a:rPr>
-              <a:t>Unlike traditional image processing methods for computing blinks which typically involve</a:t>
-            </a:r>
-          </a:p>
-          <a:p>
-            <a:pPr marL="1155700" lvl="1" indent="-342900" eaLnBrk="0" hangingPunct="0">
+              <a:t>Everything will done in python as its very friendly to machine learning </a:t>
+            </a:r>
+            <a:endParaRPr lang="x-none" altLang="en-IN" sz="2000">
+              <a:solidFill>
+                <a:schemeClr val="tx1"/>
+              </a:solidFill>
+              <a:latin typeface="+mj-lt"/>
+              <a:cs typeface="+mj-lt"/>
+            </a:endParaRPr>
+          </a:p>
+          <a:p>
+            <a:pPr marL="1155700" lvl="1" indent="-342900" algn="just" eaLnBrk="0" hangingPunct="0">
               <a:spcBef>
                 <a:spcPct val="20000"/>
               </a:spcBef>
-              <a:buFont typeface="Arial" panose="020B0604020202020204" pitchFamily="34" charset="0"/>
+              <a:buFont typeface="Arial" panose="02080604020202020204" pitchFamily="34" charset="0"/>
               <a:buChar char="•"/>
               <a:defRPr/>
             </a:pPr>
             <a:r>
-              <a:rPr lang="en-US" sz="2000" dirty="0">
+              <a:rPr lang="x-none" altLang="en-IN" sz="2000">
                 <a:solidFill>
-                  <a:srgbClr val="0000FF"/>
+                  <a:schemeClr val="tx1"/>
                 </a:solidFill>
-                <a:latin typeface="Trebuchet MS" pitchFamily="34" charset="0"/>
+                <a:latin typeface="+mj-lt"/>
+                <a:cs typeface="+mj-lt"/>
               </a:rPr>
-              <a:t>Thresholding to find the whites of the eyes.</a:t>
-            </a:r>
-          </a:p>
-          <a:p>
-            <a:pPr marL="1155700" lvl="1" indent="-342900" eaLnBrk="0" hangingPunct="0">
+              <a:t>The TensorFlow and Numpy library for the complicated math functions</a:t>
+            </a:r>
+            <a:endParaRPr lang="x-none" altLang="en-IN" sz="2000">
+              <a:solidFill>
+                <a:schemeClr val="tx1"/>
+              </a:solidFill>
+              <a:latin typeface="+mj-lt"/>
+              <a:cs typeface="+mj-lt"/>
+            </a:endParaRPr>
+          </a:p>
+          <a:p>
+            <a:pPr marL="1155700" lvl="1" indent="-342900" algn="just" eaLnBrk="0" hangingPunct="0">
               <a:spcBef>
                 <a:spcPct val="20000"/>
               </a:spcBef>
-              <a:buFont typeface="Arial" panose="020B0604020202020204" pitchFamily="34" charset="0"/>
+              <a:buFont typeface="Arial" panose="02080604020202020204" pitchFamily="34" charset="0"/>
               <a:buChar char="•"/>
               <a:defRPr/>
             </a:pPr>
             <a:r>
-              <a:rPr lang="en-US" sz="2000" dirty="0">
+              <a:rPr lang="x-none" altLang="en-IN" sz="2000">
                 <a:solidFill>
-                  <a:srgbClr val="0000FF"/>
+                  <a:schemeClr val="tx1"/>
                 </a:solidFill>
-                <a:latin typeface="Trebuchet MS" pitchFamily="34" charset="0"/>
+                <a:latin typeface="+mj-lt"/>
+                <a:cs typeface="+mj-lt"/>
               </a:rPr>
-              <a:t>Determining if the “white” region of the eyes disappears for a period of time (indicating a blink). </a:t>
-            </a:r>
-          </a:p>
-          <a:p>
-            <a:pPr marL="812800" lvl="1" eaLnBrk="0" hangingPunct="0">
+              <a:t>Opencv library for image processing and blink detection</a:t>
+            </a:r>
+            <a:endParaRPr lang="x-none" altLang="en-IN" sz="2000">
+              <a:solidFill>
+                <a:schemeClr val="tx1"/>
+              </a:solidFill>
+              <a:latin typeface="+mj-lt"/>
+              <a:cs typeface="+mj-lt"/>
+            </a:endParaRPr>
+          </a:p>
+          <a:p>
+            <a:pPr marL="1155700" lvl="1" indent="-342900" algn="just" eaLnBrk="0" hangingPunct="0">
               <a:spcBef>
                 <a:spcPct val="20000"/>
               </a:spcBef>
+              <a:buFont typeface="Arial" panose="02080604020202020204" pitchFamily="34" charset="0"/>
+              <a:buChar char="•"/>
               <a:defRPr/>
             </a:pPr>
             <a:r>
               <a:rPr lang="en-US" sz="2000" dirty="0">
-                <a:solidFill>
-                  <a:srgbClr val="0000FF"/>
-                </a:solidFill>
-                <a:latin typeface="Trebuchet MS" pitchFamily="34" charset="0"/>
+                <a:latin typeface="+mj-lt"/>
+                <a:cs typeface="+mj-lt"/>
+                <a:sym typeface="+mn-ea"/>
               </a:rPr>
-              <a:t>We are using EAR to detect the blinking, it is just a simple mathematical equation and is faster to compute, it is close to zero when the eyes are closed.</a:t>
-            </a:r>
-          </a:p>
-          <a:p>
-            <a:pPr marL="812800" lvl="1" eaLnBrk="0" hangingPunct="0">
+              <a:t>The </a:t>
+            </a:r>
+            <a:r>
+              <a:rPr lang="x-none" altLang="en-US" sz="2000" dirty="0">
+                <a:latin typeface="+mj-lt"/>
+                <a:cs typeface="+mj-lt"/>
+                <a:sym typeface="+mn-ea"/>
+              </a:rPr>
+              <a:t>DLIB</a:t>
+            </a:r>
+            <a:r>
+              <a:rPr lang="en-US" sz="2000" dirty="0">
+                <a:latin typeface="+mj-lt"/>
+                <a:cs typeface="+mj-lt"/>
+                <a:sym typeface="+mn-ea"/>
+              </a:rPr>
+              <a:t> library converts the face to an indexable list which make sit easier to access the eye regions.</a:t>
+            </a:r>
+            <a:endParaRPr lang="x-none" altLang="en-IN" sz="2000">
+              <a:solidFill>
+                <a:schemeClr val="tx1"/>
+              </a:solidFill>
+              <a:latin typeface="+mj-lt"/>
+              <a:cs typeface="+mj-lt"/>
+            </a:endParaRPr>
+          </a:p>
+          <a:p>
+            <a:pPr marL="1155700" lvl="1" indent="-342900" algn="just" eaLnBrk="0" hangingPunct="0">
               <a:spcBef>
                 <a:spcPct val="20000"/>
               </a:spcBef>
-              <a:defRPr/>
-            </a:pPr>
-            <a:r>
-              <a:rPr lang="en-US" sz="2000" dirty="0">
-                <a:solidFill>
-                  <a:srgbClr val="0000FF"/>
-                </a:solidFill>
-                <a:latin typeface="Trebuchet MS" pitchFamily="34" charset="0"/>
-              </a:rPr>
-              <a:t>The dlib library converts the face to an indexable list which make sit easier to access the eye regions.</a:t>
-            </a:r>
-          </a:p>
-          <a:p>
-            <a:pPr marL="812800" lvl="1" eaLnBrk="0" hangingPunct="0">
+              <a:buFont typeface="Arial" panose="02080604020202020204" pitchFamily="34" charset="0"/>
+              <a:buChar char="•"/>
+              <a:defRPr/>
+            </a:pPr>
+            <a:endParaRPr lang="x-none" altLang="en-IN" sz="2000">
+              <a:solidFill>
+                <a:schemeClr val="tx1"/>
+              </a:solidFill>
+              <a:latin typeface="+mj-lt"/>
+              <a:cs typeface="+mj-lt"/>
+            </a:endParaRPr>
+          </a:p>
+          <a:p>
+            <a:pPr marL="1155700" lvl="1" indent="-342900" algn="just" eaLnBrk="0" hangingPunct="0">
               <a:spcBef>
                 <a:spcPct val="20000"/>
               </a:spcBef>
+              <a:buFont typeface="Arial" panose="02080604020202020204" pitchFamily="34" charset="0"/>
+              <a:buChar char="•"/>
+              <a:defRPr/>
+            </a:pPr>
+            <a:endParaRPr lang="en-IN" sz="2000" dirty="0">
+              <a:solidFill>
+                <a:srgbClr val="0000FF"/>
+              </a:solidFill>
+              <a:latin typeface="+mj-lt"/>
+              <a:cs typeface="+mj-lt"/>
+            </a:endParaRPr>
+          </a:p>
+          <a:p>
+            <a:pPr marL="1155700" lvl="1" indent="-342900" algn="just" eaLnBrk="0" hangingPunct="0">
+              <a:spcBef>
+                <a:spcPct val="20000"/>
+              </a:spcBef>
+              <a:defRPr/>
+            </a:pPr>
+            <a:endParaRPr lang="en-IN" sz="2000" dirty="0">
+              <a:solidFill>
+                <a:srgbClr val="0000FF"/>
+              </a:solidFill>
+              <a:latin typeface="+mj-lt"/>
+              <a:cs typeface="+mj-lt"/>
+            </a:endParaRPr>
+          </a:p>
+          <a:p>
+            <a:pPr marL="342900" marR="0" lvl="0" indent="-342900" algn="l" defTabSz="914400" rtl="0" eaLnBrk="0" fontAlgn="base" latinLnBrk="0" hangingPunct="0">
+              <a:lnSpc>
+                <a:spcPct val="100000"/>
+              </a:lnSpc>
+              <a:spcBef>
+                <a:spcPct val="20000"/>
+              </a:spcBef>
+              <a:spcAft>
+                <a:spcPct val="0"/>
+              </a:spcAft>
+              <a:buClrTx/>
+              <a:buSzTx/>
+              <a:buFontTx/>
+              <a:buNone/>
               <a:defRPr/>
             </a:pPr>
             <a:endParaRPr kumimoji="0" lang="en-IN" sz="2000" b="0" i="0" u="none" strike="noStrike" kern="0" cap="none" spc="0" normalizeH="0" baseline="0" noProof="0" dirty="0">
@@ -3515,24 +3721,19 @@
                 <a:noFill/>
               </a:ln>
               <a:solidFill>
-                <a:schemeClr val="tx1"/>
+                <a:srgbClr val="0000FF"/>
               </a:solidFill>
               <a:effectLst/>
               <a:uLnTx/>
               <a:uFillTx/>
-              <a:latin typeface="Trebuchet MS" pitchFamily="34" charset="0"/>
+              <a:latin typeface="+mj-lt"/>
               <a:ea typeface="+mn-ea"/>
-              <a:cs typeface="+mn-cs"/>
+              <a:cs typeface="+mj-lt"/>
             </a:endParaRPr>
           </a:p>
         </p:txBody>
       </p:sp>
     </p:spTree>
-    <p:extLst>
-      <p:ext uri="{BB962C8B-B14F-4D97-AF65-F5344CB8AC3E}">
-        <p14:creationId xmlns:p14="http://schemas.microsoft.com/office/powerpoint/2010/main" val="3411224765"/>
-      </p:ext>
-    </p:extLst>
   </p:cSld>
   <p:clrMapOvr>
     <a:masterClrMapping/>
@@ -3579,8 +3780,6 @@
           <a:ln w="9525">
             <a:noFill/>
             <a:miter lim="800000"/>
-            <a:headEnd/>
-            <a:tailEnd/>
           </a:ln>
         </p:spPr>
         <p:txBody>
@@ -3611,8 +3810,6 @@
           <a:ln w="9525">
             <a:noFill/>
             <a:miter lim="800000"/>
-            <a:headEnd/>
-            <a:tailEnd/>
           </a:ln>
         </p:spPr>
         <p:txBody>
@@ -3633,21 +3830,25 @@
               </a:rPr>
               <a:t>Technologies / Methodologies </a:t>
             </a:r>
+            <a:endParaRPr lang="en-US" sz="2400" dirty="0">
+              <a:solidFill>
+                <a:srgbClr val="FF0000"/>
+              </a:solidFill>
+              <a:latin typeface="Trebuchet MS" pitchFamily="34" charset="0"/>
+            </a:endParaRPr>
           </a:p>
         </p:txBody>
       </p:sp>
       <p:sp>
         <p:nvSpPr>
           <p:cNvPr id="6" name="Content Placeholder 2"/>
-          <p:cNvSpPr txBox="1">
-            <a:spLocks/>
-          </p:cNvSpPr>
+          <p:cNvSpPr txBox="1"/>
           <p:nvPr/>
         </p:nvSpPr>
         <p:spPr>
           <a:xfrm>
-            <a:off x="342900" y="1617663"/>
-            <a:ext cx="8458200" cy="4724400"/>
+            <a:off x="304800" y="1828800"/>
+            <a:ext cx="8229600" cy="4724400"/>
           </a:xfrm>
           <a:prstGeom prst="rect">
             <a:avLst/>
@@ -3657,38 +3858,136 @@
           <a:bodyPr/>
           <a:lstStyle/>
           <a:p>
-            <a:pPr marL="1077913" lvl="1" indent="-265113" algn="just" eaLnBrk="0" hangingPunct="0">
+            <a:pPr marL="1078230" lvl="1" indent="-265430" eaLnBrk="0" hangingPunct="0">
               <a:spcBef>
                 <a:spcPct val="20000"/>
               </a:spcBef>
               <a:defRPr/>
             </a:pPr>
-            <a:endParaRPr lang="en-IN" sz="2400" dirty="0">
+            <a:endParaRPr lang="en-US" sz="1800" dirty="0">
               <a:solidFill>
-                <a:srgbClr val="0000FF"/>
+                <a:schemeClr val="tx1"/>
               </a:solidFill>
-              <a:latin typeface="Trebuchet MS" pitchFamily="34" charset="0"/>
-            </a:endParaRPr>
-          </a:p>
-          <a:p>
-            <a:pPr marL="342900" marR="0" lvl="0" indent="-342900" algn="l" defTabSz="914400" rtl="0" eaLnBrk="0" fontAlgn="base" latinLnBrk="0" hangingPunct="0">
-              <a:lnSpc>
-                <a:spcPct val="100000"/>
-              </a:lnSpc>
+              <a:latin typeface="+mj-lt"/>
+              <a:cs typeface="+mj-lt"/>
+            </a:endParaRPr>
+          </a:p>
+          <a:p>
+            <a:pPr marL="1098550" lvl="1" indent="-285750" eaLnBrk="0" hangingPunct="0">
               <a:spcBef>
                 <a:spcPct val="20000"/>
               </a:spcBef>
-              <a:spcAft>
-                <a:spcPct val="0"/>
-              </a:spcAft>
-              <a:buClrTx/>
-              <a:buSzTx/>
-              <a:buFontTx/>
-              <a:buNone/>
-              <a:tabLst/>
-              <a:defRPr/>
-            </a:pPr>
-            <a:endParaRPr kumimoji="0" lang="en-IN" sz="2000" b="0" i="0" u="none" strike="noStrike" kern="0" cap="none" spc="0" normalizeH="0" baseline="0" noProof="0" dirty="0">
+              <a:buFont typeface="Arial" panose="02080604020202020204" pitchFamily="34" charset="0"/>
+              <a:buChar char="•"/>
+              <a:defRPr/>
+            </a:pPr>
+            <a:r>
+              <a:rPr lang="en-US" sz="1800" dirty="0">
+                <a:solidFill>
+                  <a:schemeClr val="tx1"/>
+                </a:solidFill>
+                <a:latin typeface="+mj-lt"/>
+                <a:cs typeface="+mj-lt"/>
+              </a:rPr>
+              <a:t>EAR(Eye Aspect Ratio) </a:t>
+            </a:r>
+            <a:r>
+              <a:rPr lang="x-none" altLang="en-US" sz="1800" dirty="0">
+                <a:solidFill>
+                  <a:schemeClr val="tx1"/>
+                </a:solidFill>
+                <a:latin typeface="+mj-lt"/>
+                <a:cs typeface="+mj-lt"/>
+              </a:rPr>
+              <a:t>				      </a:t>
+            </a:r>
+            <a:r>
+              <a:rPr lang="en-US" sz="1800" dirty="0">
+                <a:solidFill>
+                  <a:schemeClr val="tx1"/>
+                </a:solidFill>
+                <a:latin typeface="+mj-lt"/>
+                <a:cs typeface="+mj-lt"/>
+              </a:rPr>
+              <a:t>We are using EAR to detect the blinking, it is just a simple mathematical equation and is faster to compute, it is close to zero when the eyes are closed.</a:t>
+            </a:r>
+            <a:endParaRPr lang="en-US" sz="1800" dirty="0">
+              <a:solidFill>
+                <a:schemeClr val="tx1"/>
+              </a:solidFill>
+              <a:latin typeface="+mj-lt"/>
+              <a:cs typeface="+mj-lt"/>
+            </a:endParaRPr>
+          </a:p>
+          <a:p>
+            <a:pPr marL="1098550" lvl="1" indent="-285750" eaLnBrk="0" hangingPunct="0">
+              <a:spcBef>
+                <a:spcPct val="20000"/>
+              </a:spcBef>
+              <a:buFont typeface="Arial" panose="02080604020202020204" pitchFamily="34" charset="0"/>
+              <a:buChar char="•"/>
+              <a:defRPr/>
+            </a:pPr>
+            <a:r>
+              <a:rPr lang="x-none" altLang="en-US" sz="1800" dirty="0">
+                <a:solidFill>
+                  <a:schemeClr val="tx1"/>
+                </a:solidFill>
+                <a:latin typeface="+mj-lt"/>
+                <a:cs typeface="+mj-lt"/>
+              </a:rPr>
+              <a:t>Both CNN and SVM as our ML algorithms.We have decided to use atleast two algorithms parallely and take the average .But it all depends on how we optimise it or how good the algorithm is best suited for our problem.</a:t>
+            </a:r>
+            <a:endParaRPr lang="x-none" altLang="en-US" sz="1800" dirty="0">
+              <a:solidFill>
+                <a:schemeClr val="tx1"/>
+              </a:solidFill>
+              <a:latin typeface="+mj-lt"/>
+              <a:cs typeface="+mj-lt"/>
+            </a:endParaRPr>
+          </a:p>
+          <a:p>
+            <a:pPr marL="1098550" lvl="1" indent="-285750" eaLnBrk="0" hangingPunct="0">
+              <a:spcBef>
+                <a:spcPct val="20000"/>
+              </a:spcBef>
+              <a:buFont typeface="Arial" panose="02080604020202020204" pitchFamily="34" charset="0"/>
+              <a:buChar char="•"/>
+              <a:defRPr/>
+            </a:pPr>
+            <a:endParaRPr lang="x-none" altLang="en-US" sz="1800" dirty="0">
+              <a:solidFill>
+                <a:schemeClr val="tx1"/>
+              </a:solidFill>
+              <a:latin typeface="+mj-lt"/>
+              <a:cs typeface="+mj-lt"/>
+            </a:endParaRPr>
+          </a:p>
+          <a:p>
+            <a:pPr marL="1098550" lvl="1" indent="-285750" eaLnBrk="0" hangingPunct="0">
+              <a:spcBef>
+                <a:spcPct val="20000"/>
+              </a:spcBef>
+              <a:buFont typeface="Arial" panose="02080604020202020204" pitchFamily="34" charset="0"/>
+              <a:buChar char="•"/>
+              <a:defRPr/>
+            </a:pPr>
+            <a:endParaRPr lang="en-US" sz="1800" dirty="0">
+              <a:solidFill>
+                <a:schemeClr val="tx1"/>
+              </a:solidFill>
+              <a:latin typeface="+mj-lt"/>
+              <a:cs typeface="+mj-lt"/>
+            </a:endParaRPr>
+          </a:p>
+          <a:p>
+            <a:pPr marL="812800" lvl="1" eaLnBrk="0" hangingPunct="0">
+              <a:spcBef>
+                <a:spcPct val="20000"/>
+              </a:spcBef>
+              <a:defRPr/>
+            </a:pPr>
+            <a:endParaRPr kumimoji="0" lang="en-US" sz="1800" b="0" i="0" u="none" strike="noStrike" kern="0" cap="none" spc="0" normalizeH="0" baseline="0" noProof="0" dirty="0">
               <a:ln>
                 <a:noFill/>
               </a:ln>
@@ -3698,110 +3997,14 @@
               <a:effectLst/>
               <a:uLnTx/>
               <a:uFillTx/>
-              <a:latin typeface="Trebuchet MS" pitchFamily="34" charset="0"/>
+              <a:latin typeface="+mj-lt"/>
               <a:ea typeface="+mn-ea"/>
-              <a:cs typeface="+mn-cs"/>
-            </a:endParaRPr>
-          </a:p>
-        </p:txBody>
-      </p:sp>
-      <p:sp>
-        <p:nvSpPr>
-          <p:cNvPr id="2" name="Rectangle 1">
-            <a:extLst>
-              <a:ext uri="{FF2B5EF4-FFF2-40B4-BE49-F238E27FC236}">
-                <a16:creationId xmlns:a16="http://schemas.microsoft.com/office/drawing/2014/main" id="{E0FEA3AC-EE1E-48EE-8EB6-B91DBD89B654}"/>
-              </a:ext>
-            </a:extLst>
-          </p:cNvPr>
-          <p:cNvSpPr/>
-          <p:nvPr/>
-        </p:nvSpPr>
-        <p:spPr>
-          <a:xfrm>
-            <a:off x="533400" y="1676400"/>
-            <a:ext cx="7467600" cy="4832092"/>
-          </a:xfrm>
-          <a:prstGeom prst="rect">
-            <a:avLst/>
-          </a:prstGeom>
-        </p:spPr>
-        <p:txBody>
-          <a:bodyPr wrap="square">
-            <a:spAutoFit/>
-          </a:bodyPr>
-          <a:lstStyle/>
-          <a:p>
-            <a:r>
-              <a:rPr lang="en-US" sz="1400" dirty="0"/>
-              <a:t>Video capturing: Video frames from a fixed camera or a smartphone are broken down into a series of images. The video frames are taken in such a manner that only the face of the driver is captured.</a:t>
-            </a:r>
-          </a:p>
-          <a:p>
-            <a:endParaRPr lang="en-US" sz="1400" dirty="0"/>
-          </a:p>
-          <a:p>
-            <a:r>
-              <a:rPr lang="en-US" sz="1400" dirty="0"/>
-              <a:t>Face Detection: The second stage typically aims to detect the face in the image frames. Viola and Jones is the most used algorithm to detect the driver’s face from the image.</a:t>
-            </a:r>
-          </a:p>
-          <a:p>
-            <a:r>
-              <a:rPr lang="en-US" sz="1400" dirty="0"/>
-              <a:t>However, when CNNs are used, the whole image is typically fed to a network that have multiple filters and features are automatically extracted. CNNs combine the two stages of</a:t>
-            </a:r>
-          </a:p>
-          <a:p>
-            <a:r>
-              <a:rPr lang="en-US" sz="1400" dirty="0"/>
-              <a:t>detecting the face and feature extraction.</a:t>
-            </a:r>
-          </a:p>
-          <a:p>
-            <a:endParaRPr lang="en-US" sz="1400" dirty="0"/>
-          </a:p>
-          <a:p>
-            <a:r>
-              <a:rPr lang="en-US" sz="1400" dirty="0"/>
-              <a:t>Feature Extraction: If face detection is applied, features are usually extracted using different methods such as landmark localization, Histogram of oriented gradients (HOG), and</a:t>
-            </a:r>
-          </a:p>
-          <a:p>
-            <a:r>
-              <a:rPr lang="en-US" sz="1400" dirty="0"/>
-              <a:t>Local Binary Patterns (LBP).</a:t>
-            </a:r>
-          </a:p>
-          <a:p>
-            <a:endParaRPr lang="en-US" sz="1400" dirty="0"/>
-          </a:p>
-          <a:p>
-            <a:r>
-              <a:rPr lang="en-US" sz="1400" dirty="0"/>
-              <a:t>Feature Analysis: Extracted features can then be processed further, as is the case for PERCLOS or EAR for eye analysis or mouth-based methods for yawning detection.</a:t>
-            </a:r>
-          </a:p>
-          <a:p>
-            <a:endParaRPr lang="en-US" sz="1400" dirty="0"/>
-          </a:p>
-          <a:p>
-            <a:r>
-              <a:rPr lang="en-US" sz="1400" dirty="0"/>
-              <a:t>Classification: The classification stage consists of classifiers that are used for decision-making on the level of drowsiness in a driver. If the classifier detects traits of drowsiness based on the weighted parameters, then an alarm will be activated suggesting that a driver takes a break.</a:t>
-            </a:r>
-          </a:p>
-          <a:p>
-            <a:endParaRPr lang="en-IN" sz="1400" dirty="0"/>
+              <a:cs typeface="+mj-lt"/>
+            </a:endParaRPr>
           </a:p>
         </p:txBody>
       </p:sp>
     </p:spTree>
-    <p:extLst>
-      <p:ext uri="{BB962C8B-B14F-4D97-AF65-F5344CB8AC3E}">
-        <p14:creationId xmlns:p14="http://schemas.microsoft.com/office/powerpoint/2010/main" val="3766155044"/>
-      </p:ext>
-    </p:extLst>
   </p:cSld>
   <p:clrMapOvr>
     <a:masterClrMapping/>
@@ -3848,8 +4051,6 @@
           <a:ln w="9525">
             <a:noFill/>
             <a:miter lim="800000"/>
-            <a:headEnd/>
-            <a:tailEnd/>
           </a:ln>
         </p:spPr>
         <p:txBody>
@@ -3880,8 +4081,6 @@
           <a:ln w="9525">
             <a:noFill/>
             <a:miter lim="800000"/>
-            <a:headEnd/>
-            <a:tailEnd/>
           </a:ln>
         </p:spPr>
         <p:txBody>
@@ -3900,22 +4099,26 @@
                 </a:solidFill>
                 <a:latin typeface="Trebuchet MS" pitchFamily="34" charset="0"/>
               </a:rPr>
-              <a:t>Project Timelines &amp; Plan</a:t>
-            </a:r>
+              <a:t>Technologies / Methodologies </a:t>
+            </a:r>
+            <a:endParaRPr lang="en-US" sz="2400" dirty="0">
+              <a:solidFill>
+                <a:srgbClr val="FF0000"/>
+              </a:solidFill>
+              <a:latin typeface="Trebuchet MS" pitchFamily="34" charset="0"/>
+            </a:endParaRPr>
           </a:p>
         </p:txBody>
       </p:sp>
       <p:sp>
         <p:nvSpPr>
           <p:cNvPr id="6" name="Content Placeholder 2"/>
-          <p:cNvSpPr txBox="1">
-            <a:spLocks/>
-          </p:cNvSpPr>
+          <p:cNvSpPr txBox="1"/>
           <p:nvPr/>
         </p:nvSpPr>
         <p:spPr>
           <a:xfrm>
-            <a:off x="533400" y="1828800"/>
+            <a:off x="342900" y="1617663"/>
             <a:ext cx="8458200" cy="4724400"/>
           </a:xfrm>
           <a:prstGeom prst="rect">
@@ -3926,7 +4129,21 @@
           <a:bodyPr/>
           <a:lstStyle/>
           <a:p>
-            <a:pPr marL="342900" marR="0" lvl="0" indent="12700" algn="just" defTabSz="914400" rtl="0" eaLnBrk="0" fontAlgn="base" latinLnBrk="0" hangingPunct="0">
+            <a:pPr marL="1078230" lvl="1" indent="-265430" algn="just" eaLnBrk="0" hangingPunct="0">
+              <a:spcBef>
+                <a:spcPct val="20000"/>
+              </a:spcBef>
+              <a:defRPr/>
+            </a:pPr>
+            <a:endParaRPr lang="en-IN" sz="2400" dirty="0">
+              <a:solidFill>
+                <a:srgbClr val="0000FF"/>
+              </a:solidFill>
+              <a:latin typeface="Trebuchet MS" pitchFamily="34" charset="0"/>
+            </a:endParaRPr>
+          </a:p>
+          <a:p>
+            <a:pPr marL="342900" marR="0" lvl="0" indent="-342900" algn="l" defTabSz="914400" rtl="0" eaLnBrk="0" fontAlgn="base" latinLnBrk="0" hangingPunct="0">
               <a:lnSpc>
                 <a:spcPct val="100000"/>
               </a:lnSpc>
@@ -3940,120 +4157,164 @@
               <a:buSzTx/>
               <a:buFontTx/>
               <a:buNone/>
-              <a:tabLst/>
-              <a:defRPr/>
-            </a:pPr>
-            <a:r>
-              <a:rPr kumimoji="0" lang="en-IN" sz="2400" b="0" i="0" u="none" strike="noStrike" kern="1200" cap="none" spc="0" normalizeH="0" baseline="0" noProof="0" dirty="0">
-                <a:ln>
-                  <a:noFill/>
-                </a:ln>
-                <a:solidFill>
-                  <a:srgbClr val="0000FF"/>
-                </a:solidFill>
-                <a:effectLst/>
-                <a:uLnTx/>
-                <a:uFillTx/>
-                <a:latin typeface="Trebuchet MS" pitchFamily="34" charset="0"/>
-                <a:ea typeface="+mn-ea"/>
-                <a:cs typeface="+mn-cs"/>
+              <a:defRPr/>
+            </a:pPr>
+            <a:endParaRPr kumimoji="0" lang="en-IN" sz="2000" b="0" i="0" u="none" strike="noStrike" kern="0" cap="none" spc="0" normalizeH="0" baseline="0" noProof="0" dirty="0">
+              <a:ln>
+                <a:noFill/>
+              </a:ln>
+              <a:solidFill>
+                <a:schemeClr val="tx1"/>
+              </a:solidFill>
+              <a:effectLst/>
+              <a:uLnTx/>
+              <a:uFillTx/>
+              <a:latin typeface="Trebuchet MS" pitchFamily="34" charset="0"/>
+              <a:ea typeface="+mn-ea"/>
+              <a:cs typeface="+mn-cs"/>
+            </a:endParaRPr>
+          </a:p>
+        </p:txBody>
+      </p:sp>
+      <p:sp>
+        <p:nvSpPr>
+          <p:cNvPr id="2" name="Rectangle 1"/>
+          <p:cNvSpPr/>
+          <p:nvPr/>
+        </p:nvSpPr>
+        <p:spPr>
+          <a:xfrm>
+            <a:off x="262890" y="1617980"/>
+            <a:ext cx="8746490" cy="4399915"/>
+          </a:xfrm>
+          <a:prstGeom prst="rect">
+            <a:avLst/>
+          </a:prstGeom>
+        </p:spPr>
+        <p:txBody>
+          <a:bodyPr wrap="square">
+            <a:spAutoFit/>
+          </a:bodyPr>
+          <a:lstStyle/>
+          <a:p>
+            <a:r>
+              <a:rPr lang="en-US" sz="1400" dirty="0">
+                <a:latin typeface="+mj-lt"/>
+                <a:cs typeface="+mj-lt"/>
               </a:rPr>
-              <a:t>Provide</a:t>
-            </a:r>
-          </a:p>
-          <a:p>
-            <a:pPr marL="1077913" lvl="1" indent="-265113" algn="just" eaLnBrk="0" hangingPunct="0">
-              <a:spcBef>
-                <a:spcPct val="20000"/>
-              </a:spcBef>
-              <a:buFont typeface="Wingdings" pitchFamily="2" charset="2"/>
-              <a:buChar char="§"/>
-              <a:defRPr/>
-            </a:pPr>
-            <a:r>
-              <a:rPr lang="en-IN" sz="2400" dirty="0">
-                <a:solidFill>
-                  <a:srgbClr val="0000FF"/>
-                </a:solidFill>
-                <a:latin typeface="Trebuchet MS" pitchFamily="34" charset="0"/>
+              <a:t>Video capturing: Video frames from a fixed camera or a smartphone are broken down into a series of images. The video frames are taken in such a manner that only the face of the driver is captured.</a:t>
+            </a:r>
+            <a:endParaRPr lang="en-US" sz="1400" dirty="0">
+              <a:latin typeface="+mj-lt"/>
+              <a:cs typeface="+mj-lt"/>
+            </a:endParaRPr>
+          </a:p>
+          <a:p>
+            <a:endParaRPr lang="en-US" sz="1400" dirty="0">
+              <a:latin typeface="+mj-lt"/>
+              <a:cs typeface="+mj-lt"/>
+            </a:endParaRPr>
+          </a:p>
+          <a:p>
+            <a:r>
+              <a:rPr lang="en-US" sz="1400" dirty="0">
+                <a:latin typeface="+mj-lt"/>
+                <a:cs typeface="+mj-lt"/>
               </a:rPr>
-              <a:t>The timelines for execution of the project</a:t>
-            </a:r>
-          </a:p>
-          <a:p>
-            <a:pPr marL="1077913" lvl="1" indent="-265113" algn="just" eaLnBrk="0" hangingPunct="0">
-              <a:spcBef>
-                <a:spcPct val="20000"/>
-              </a:spcBef>
-              <a:buFont typeface="Wingdings" pitchFamily="2" charset="2"/>
-              <a:buChar char="§"/>
-              <a:defRPr/>
-            </a:pPr>
-            <a:r>
-              <a:rPr lang="en-IN" sz="2400" dirty="0">
-                <a:solidFill>
-                  <a:srgbClr val="0000FF"/>
-                </a:solidFill>
-                <a:latin typeface="Trebuchet MS" pitchFamily="34" charset="0"/>
+              <a:t>Face Detection: The second stage typically aims to detect the face in the image frames. Viola and Jones is the most used algorithm to detect the driver’s face from the image.</a:t>
+            </a:r>
+            <a:endParaRPr lang="en-US" sz="1400" dirty="0">
+              <a:latin typeface="+mj-lt"/>
+              <a:cs typeface="+mj-lt"/>
+            </a:endParaRPr>
+          </a:p>
+          <a:p>
+            <a:r>
+              <a:rPr lang="en-US" sz="1400" dirty="0">
+                <a:latin typeface="+mj-lt"/>
+                <a:cs typeface="+mj-lt"/>
               </a:rPr>
-              <a:t>The plan in terms of efforts by individuals in the team.</a:t>
-            </a:r>
-          </a:p>
-          <a:p>
-            <a:pPr marL="1077913" lvl="1" indent="-265113" algn="just" eaLnBrk="0" hangingPunct="0">
-              <a:spcBef>
-                <a:spcPct val="20000"/>
-              </a:spcBef>
-              <a:defRPr/>
-            </a:pPr>
-            <a:endParaRPr lang="en-IN" sz="2400" dirty="0">
-              <a:solidFill>
-                <a:srgbClr val="0000FF"/>
-              </a:solidFill>
-              <a:latin typeface="Trebuchet MS" pitchFamily="34" charset="0"/>
-            </a:endParaRPr>
-          </a:p>
-          <a:p>
-            <a:pPr marL="1077913" lvl="1" indent="-265113" algn="just" eaLnBrk="0" hangingPunct="0">
-              <a:spcBef>
-                <a:spcPct val="20000"/>
-              </a:spcBef>
-              <a:defRPr/>
-            </a:pPr>
-            <a:r>
-              <a:rPr lang="en-IN" sz="2400" dirty="0">
-                <a:solidFill>
-                  <a:srgbClr val="0000FF"/>
-                </a:solidFill>
-                <a:latin typeface="Trebuchet MS" pitchFamily="34" charset="0"/>
+              <a:t>However, when CNNs are used, the whole image is typically fed to a network that have multiple filters and features are automatically extracted. CNNs combine the two stages of</a:t>
+            </a:r>
+            <a:endParaRPr lang="en-US" sz="1400" dirty="0">
+              <a:latin typeface="+mj-lt"/>
+              <a:cs typeface="+mj-lt"/>
+            </a:endParaRPr>
+          </a:p>
+          <a:p>
+            <a:r>
+              <a:rPr lang="en-US" sz="1400" dirty="0">
+                <a:latin typeface="+mj-lt"/>
+                <a:cs typeface="+mj-lt"/>
               </a:rPr>
-              <a:t>We will be following the timelines with respect to the three phases allotted for progress check.</a:t>
-            </a:r>
-            <a:endParaRPr lang="en-IN" sz="2000" kern="0" dirty="0">
-              <a:latin typeface="Trebuchet MS" pitchFamily="34" charset="0"/>
-            </a:endParaRPr>
-          </a:p>
-          <a:p>
-            <a:pPr marL="1077913" lvl="1" indent="-265113" algn="just" eaLnBrk="0" hangingPunct="0">
-              <a:spcBef>
-                <a:spcPct val="20000"/>
-              </a:spcBef>
-              <a:defRPr/>
-            </a:pPr>
-            <a:r>
-              <a:rPr lang="en-IN" sz="2000" kern="0" dirty="0">
-                <a:solidFill>
-                  <a:srgbClr val="0000FF"/>
-                </a:solidFill>
-                <a:latin typeface="Trebuchet MS" pitchFamily="34" charset="0"/>
+              <a:t>detecting the face and feature extraction.</a:t>
+            </a:r>
+            <a:endParaRPr lang="en-US" sz="1400" dirty="0">
+              <a:latin typeface="+mj-lt"/>
+              <a:cs typeface="+mj-lt"/>
+            </a:endParaRPr>
+          </a:p>
+          <a:p>
+            <a:endParaRPr lang="en-US" sz="1400" dirty="0">
+              <a:latin typeface="+mj-lt"/>
+              <a:cs typeface="+mj-lt"/>
+            </a:endParaRPr>
+          </a:p>
+          <a:p>
+            <a:r>
+              <a:rPr lang="en-US" sz="1400" dirty="0">
+                <a:latin typeface="+mj-lt"/>
+                <a:cs typeface="+mj-lt"/>
               </a:rPr>
-              <a:t>One of us will be more oriented towards Computer Vision and the other will be optimising the Machine Learning Algorithms.</a:t>
-            </a:r>
-            <a:endParaRPr lang="en-IN" sz="2400" dirty="0">
-              <a:solidFill>
-                <a:srgbClr val="0000FF"/>
-              </a:solidFill>
-              <a:latin typeface="Trebuchet MS" pitchFamily="34" charset="0"/>
+              <a:t>Feature Extraction: If face detection is applied, features are usually extracted using different methods such as landmark localization</a:t>
+            </a:r>
+            <a:endParaRPr lang="en-US" sz="1400" dirty="0">
+              <a:latin typeface="+mj-lt"/>
+              <a:cs typeface="+mj-lt"/>
+            </a:endParaRPr>
+          </a:p>
+          <a:p>
+            <a:endParaRPr lang="en-US" sz="1400" dirty="0">
+              <a:latin typeface="+mj-lt"/>
+              <a:cs typeface="+mj-lt"/>
+            </a:endParaRPr>
+          </a:p>
+          <a:p>
+            <a:r>
+              <a:rPr lang="en-US" sz="1400" dirty="0">
+                <a:latin typeface="+mj-lt"/>
+                <a:cs typeface="+mj-lt"/>
+              </a:rPr>
+              <a:t>Feature Analysis: Extracted features can then be processed further, as is the case for PERCLOS or EAR for eye analysis or mouth-based methods for yawning detection.</a:t>
+            </a:r>
+            <a:endParaRPr lang="en-US" sz="1400" dirty="0">
+              <a:latin typeface="+mj-lt"/>
+              <a:cs typeface="+mj-lt"/>
+            </a:endParaRPr>
+          </a:p>
+          <a:p>
+            <a:endParaRPr lang="en-US" sz="1400" dirty="0">
+              <a:latin typeface="+mj-lt"/>
+              <a:cs typeface="+mj-lt"/>
+            </a:endParaRPr>
+          </a:p>
+          <a:p>
+            <a:r>
+              <a:rPr lang="en-US" sz="1400" dirty="0">
+                <a:latin typeface="+mj-lt"/>
+                <a:cs typeface="+mj-lt"/>
+              </a:rPr>
+              <a:t>Classification: The classification stage consists of classifiers that are used for decision-making on the level of drowsiness in a driver. If the classifier detects traits of drowsiness based on the weighted parameters, then an alarm will be activated suggesting that a driver takes a break.</a:t>
+            </a:r>
+            <a:endParaRPr lang="en-US" sz="1400" dirty="0">
+              <a:latin typeface="+mj-lt"/>
+              <a:cs typeface="+mj-lt"/>
+            </a:endParaRPr>
+          </a:p>
+          <a:p>
+            <a:endParaRPr lang="en-US" sz="1400" dirty="0">
+              <a:latin typeface="+mj-lt"/>
+              <a:cs typeface="+mj-lt"/>
             </a:endParaRPr>
           </a:p>
         </p:txBody>
@@ -4085,7 +4346,7 @@
       </p:grpSpPr>
       <p:sp>
         <p:nvSpPr>
-          <p:cNvPr id="2" name="Rectangle 1"/>
+          <p:cNvPr id="5" name="Rectangle 4"/>
           <p:cNvSpPr>
             <a:spLocks noChangeArrowheads="1"/>
           </p:cNvSpPr>
@@ -4105,8 +4366,6 @@
           <a:ln w="9525">
             <a:noFill/>
             <a:miter lim="800000"/>
-            <a:headEnd/>
-            <a:tailEnd/>
           </a:ln>
         </p:spPr>
         <p:txBody>
@@ -4119,7 +4378,7 @@
       </p:sp>
       <p:sp>
         <p:nvSpPr>
-          <p:cNvPr id="3" name="Text Box 34"/>
+          <p:cNvPr id="13" name="Text Box 34"/>
           <p:cNvSpPr txBox="1">
             <a:spLocks noChangeArrowheads="1"/>
           </p:cNvSpPr>
@@ -4137,8 +4396,6 @@
           <a:ln w="9525">
             <a:noFill/>
             <a:miter lim="800000"/>
-            <a:headEnd/>
-            <a:tailEnd/>
           </a:ln>
         </p:spPr>
         <p:txBody>
@@ -4157,8 +4414,229 @@
                 </a:solidFill>
                 <a:latin typeface="Trebuchet MS" pitchFamily="34" charset="0"/>
               </a:rPr>
-              <a:t>Any other information</a:t>
-            </a:r>
+              <a:t>Project Timelines &amp; Plan</a:t>
+            </a:r>
+            <a:endParaRPr lang="en-US" sz="2400" dirty="0">
+              <a:solidFill>
+                <a:srgbClr val="FF0000"/>
+              </a:solidFill>
+              <a:latin typeface="Trebuchet MS" pitchFamily="34" charset="0"/>
+            </a:endParaRPr>
+          </a:p>
+        </p:txBody>
+      </p:sp>
+      <p:sp>
+        <p:nvSpPr>
+          <p:cNvPr id="6" name="Content Placeholder 2"/>
+          <p:cNvSpPr txBox="1"/>
+          <p:nvPr/>
+        </p:nvSpPr>
+        <p:spPr>
+          <a:xfrm>
+            <a:off x="433705" y="1617980"/>
+            <a:ext cx="8276590" cy="5090160"/>
+          </a:xfrm>
+          <a:prstGeom prst="rect">
+            <a:avLst/>
+          </a:prstGeom>
+        </p:spPr>
+        <p:txBody>
+          <a:bodyPr/>
+          <a:lstStyle/>
+          <a:p>
+            <a:pPr marL="685800" marR="0" lvl="0" indent="-342900" algn="just" defTabSz="914400" rtl="0" eaLnBrk="0" fontAlgn="base" latinLnBrk="0" hangingPunct="0">
+              <a:lnSpc>
+                <a:spcPct val="100000"/>
+              </a:lnSpc>
+              <a:spcBef>
+                <a:spcPct val="20000"/>
+              </a:spcBef>
+              <a:spcAft>
+                <a:spcPct val="0"/>
+              </a:spcAft>
+              <a:buClrTx/>
+              <a:buSzTx/>
+              <a:buFont typeface="Arial" panose="02080604020202020204" pitchFamily="34" charset="0"/>
+              <a:buChar char="•"/>
+              <a:defRPr/>
+            </a:pPr>
+            <a:r>
+              <a:rPr lang="x-none" altLang="en-IN" sz="2000" dirty="0">
+                <a:solidFill>
+                  <a:schemeClr val="tx1"/>
+                </a:solidFill>
+                <a:latin typeface="+mj-lt"/>
+                <a:cs typeface="+mj-lt"/>
+              </a:rPr>
+              <a:t>Since this project is also for the competition, we will be finishing it before mid april before the competition ends.</a:t>
+            </a:r>
+            <a:endParaRPr lang="x-none" altLang="en-IN" sz="2000" dirty="0">
+              <a:solidFill>
+                <a:schemeClr val="tx1"/>
+              </a:solidFill>
+              <a:latin typeface="+mj-lt"/>
+              <a:cs typeface="+mj-lt"/>
+            </a:endParaRPr>
+          </a:p>
+          <a:p>
+            <a:pPr marL="685800" marR="0" lvl="0" indent="-342900" algn="just" defTabSz="914400" rtl="0" eaLnBrk="0" fontAlgn="base" latinLnBrk="0" hangingPunct="0">
+              <a:lnSpc>
+                <a:spcPct val="100000"/>
+              </a:lnSpc>
+              <a:spcBef>
+                <a:spcPct val="20000"/>
+              </a:spcBef>
+              <a:spcAft>
+                <a:spcPct val="0"/>
+              </a:spcAft>
+              <a:buClrTx/>
+              <a:buSzTx/>
+              <a:buFont typeface="Arial" panose="02080604020202020204" pitchFamily="34" charset="0"/>
+              <a:buChar char="•"/>
+              <a:defRPr/>
+            </a:pPr>
+            <a:r>
+              <a:rPr lang="x-none" altLang="en-IN" sz="2000" dirty="0">
+                <a:solidFill>
+                  <a:schemeClr val="tx1"/>
+                </a:solidFill>
+                <a:latin typeface="+mj-lt"/>
+                <a:cs typeface="+mj-lt"/>
+              </a:rPr>
+              <a:t>Initial 2 Weeks just for researching papers and finding out flaws in them and thinking of solutions and also to revise our knowledge on ML, Tensorflow library and Opencv</a:t>
+            </a:r>
+            <a:endParaRPr lang="x-none" altLang="en-IN" sz="2000" dirty="0">
+              <a:solidFill>
+                <a:schemeClr val="tx1"/>
+              </a:solidFill>
+              <a:latin typeface="+mj-lt"/>
+              <a:cs typeface="+mj-lt"/>
+            </a:endParaRPr>
+          </a:p>
+          <a:p>
+            <a:pPr marL="685800" marR="0" lvl="0" indent="-342900" algn="just" defTabSz="914400" rtl="0" eaLnBrk="0" fontAlgn="base" latinLnBrk="0" hangingPunct="0">
+              <a:lnSpc>
+                <a:spcPct val="100000"/>
+              </a:lnSpc>
+              <a:spcBef>
+                <a:spcPct val="20000"/>
+              </a:spcBef>
+              <a:spcAft>
+                <a:spcPct val="0"/>
+              </a:spcAft>
+              <a:buClrTx/>
+              <a:buSzTx/>
+              <a:buFont typeface="Arial" panose="02080604020202020204" pitchFamily="34" charset="0"/>
+              <a:buChar char="•"/>
+              <a:defRPr/>
+            </a:pPr>
+            <a:r>
+              <a:rPr lang="x-none" altLang="en-IN" sz="2000" dirty="0">
+                <a:solidFill>
+                  <a:schemeClr val="tx1"/>
+                </a:solidFill>
+                <a:latin typeface="+mj-lt"/>
+                <a:cs typeface="+mj-lt"/>
+              </a:rPr>
+              <a:t>Excluding the one week for internals, the next 4 weeks thoroughly on applying our concepts in code and trying out new techniques</a:t>
+            </a:r>
+            <a:endParaRPr lang="x-none" altLang="en-IN" sz="2000" dirty="0">
+              <a:solidFill>
+                <a:schemeClr val="tx1"/>
+              </a:solidFill>
+              <a:latin typeface="+mj-lt"/>
+              <a:cs typeface="+mj-lt"/>
+            </a:endParaRPr>
+          </a:p>
+          <a:p>
+            <a:pPr marL="685800" marR="0" lvl="0" indent="-342900" algn="just" defTabSz="914400" rtl="0" eaLnBrk="0" fontAlgn="base" latinLnBrk="0" hangingPunct="0">
+              <a:lnSpc>
+                <a:spcPct val="100000"/>
+              </a:lnSpc>
+              <a:spcBef>
+                <a:spcPct val="20000"/>
+              </a:spcBef>
+              <a:spcAft>
+                <a:spcPct val="0"/>
+              </a:spcAft>
+              <a:buClrTx/>
+              <a:buSzTx/>
+              <a:buFont typeface="Arial" panose="02080604020202020204" pitchFamily="34" charset="0"/>
+              <a:buChar char="•"/>
+              <a:defRPr/>
+            </a:pPr>
+            <a:r>
+              <a:rPr lang="x-none" altLang="en-IN" sz="2000" dirty="0">
+                <a:solidFill>
+                  <a:schemeClr val="tx1"/>
+                </a:solidFill>
+                <a:latin typeface="+mj-lt"/>
+                <a:cs typeface="+mj-lt"/>
+              </a:rPr>
+              <a:t>The last 2 weeks will be more focused on fine tuning our code and along with feedbacks and insights, modifying it and preparing it for the competition.</a:t>
+            </a:r>
+            <a:endParaRPr lang="x-none" altLang="en-IN" sz="2000" dirty="0">
+              <a:solidFill>
+                <a:schemeClr val="tx1"/>
+              </a:solidFill>
+              <a:latin typeface="+mj-lt"/>
+              <a:cs typeface="+mj-lt"/>
+            </a:endParaRPr>
+          </a:p>
+          <a:p>
+            <a:pPr marL="685800" marR="0" lvl="0" indent="-342900" algn="just" defTabSz="914400" rtl="0" eaLnBrk="0" fontAlgn="base" latinLnBrk="0" hangingPunct="0">
+              <a:lnSpc>
+                <a:spcPct val="100000"/>
+              </a:lnSpc>
+              <a:spcBef>
+                <a:spcPct val="20000"/>
+              </a:spcBef>
+              <a:spcAft>
+                <a:spcPct val="0"/>
+              </a:spcAft>
+              <a:buClrTx/>
+              <a:buSzTx/>
+              <a:buFont typeface="Arial" panose="02080604020202020204" pitchFamily="34" charset="0"/>
+              <a:buChar char="•"/>
+              <a:defRPr/>
+            </a:pPr>
+            <a:r>
+              <a:rPr lang="x-none" altLang="en-IN" sz="2000" kern="0" dirty="0">
+                <a:solidFill>
+                  <a:schemeClr val="tx1"/>
+                </a:solidFill>
+                <a:latin typeface="+mj-lt"/>
+                <a:cs typeface="+mj-lt"/>
+              </a:rPr>
+              <a:t>Initially </a:t>
+            </a:r>
+            <a:r>
+              <a:rPr lang="en-IN" sz="2000" kern="0" dirty="0">
+                <a:solidFill>
+                  <a:schemeClr val="tx1"/>
+                </a:solidFill>
+                <a:latin typeface="+mj-lt"/>
+                <a:cs typeface="+mj-lt"/>
+              </a:rPr>
+              <a:t>One of us will be more oriented towards Computer Vision and the other will be optimising the Machine Learning Algorithms.</a:t>
+            </a:r>
+            <a:r>
+              <a:rPr lang="x-none" altLang="en-IN" sz="2000" kern="0" dirty="0">
+                <a:solidFill>
+                  <a:schemeClr val="tx1"/>
+                </a:solidFill>
+                <a:latin typeface="+mj-lt"/>
+                <a:cs typeface="+mj-lt"/>
+              </a:rPr>
+              <a:t>But by the end, each of us will know enough to explain the code on their own.</a:t>
+            </a:r>
+            <a:endParaRPr lang="x-none" altLang="en-IN" sz="2000" kern="0" dirty="0">
+              <a:solidFill>
+                <a:schemeClr val="tx1"/>
+              </a:solidFill>
+              <a:latin typeface="+mj-lt"/>
+              <a:cs typeface="+mj-lt"/>
+            </a:endParaRPr>
           </a:p>
         </p:txBody>
       </p:sp>
@@ -4390,7 +4868,6 @@
       </a:bgFillStyleLst>
     </a:fmtScheme>
   </a:themeElements>
-  <a:objectDefaults/>
   <a:extraClrSchemeLst>
     <a:extraClrScheme>
       <a:clrScheme name="Default Design 1">
@@ -4885,6 +5362,11 @@
       <a:clrMap bg1="dk2" tx1="lt1" bg2="dk1" tx2="lt2" accent1="accent1" accent2="accent2" accent3="accent3" accent4="accent4" accent5="accent5" accent6="accent6" hlink="hlink" folHlink="folHlink"/>
     </a:extraClrScheme>
   </a:extraClrSchemeLst>
+  <a:extLst>
+    <a:ext uri="{05A4C25C-085E-4340-85A3-A5531E510DB2}">
+      <thm15:themeFamily xmlns:thm15="http://schemas.microsoft.com/office/thememl/2012/main" name="Office Theme" id="{62F939B6-93AF-4DB8-9C6B-D6C7DFDC589F}" vid="{4A3C46E8-61CC-4603-A589-7422A47A8E4A}"/>
+    </a:ext>
+  </a:extLst>
 </a:theme>
 </file>
 
@@ -5166,8 +5648,11 @@
       </a:bgFillStyleLst>
     </a:fmtScheme>
   </a:themeElements>
-  <a:objectDefaults/>
-  <a:extraClrSchemeLst/>
+  <a:extLst>
+    <a:ext uri="{05A4C25C-085E-4340-85A3-A5531E510DB2}">
+      <thm15:themeFamily xmlns:thm15="http://schemas.microsoft.com/office/thememl/2012/main" name="Office Theme" id="{62F939B6-93AF-4DB8-9C6B-D6C7DFDC589F}" vid="{4A3C46E8-61CC-4603-A589-7422A47A8E4A}"/>
+    </a:ext>
+  </a:extLst>
 </a:theme>
 </file>
 
@@ -5449,7 +5934,10 @@
       </a:bgFillStyleLst>
     </a:fmtScheme>
   </a:themeElements>
-  <a:objectDefaults/>
-  <a:extraClrSchemeLst/>
+  <a:extLst>
+    <a:ext uri="{05A4C25C-085E-4340-85A3-A5531E510DB2}">
+      <thm15:themeFamily xmlns:thm15="http://schemas.microsoft.com/office/thememl/2012/main" name="Office Theme" id="{62F939B6-93AF-4DB8-9C6B-D6C7DFDC589F}" vid="{4A3C46E8-61CC-4603-A589-7422A47A8E4A}"/>
+    </a:ext>
+  </a:extLst>
 </a:theme>
 </file>